--- a/AutoDJ Presentation Poster Template.pptx
+++ b/AutoDJ Presentation Poster Template.pptx
@@ -1506,7 +1506,7 @@
           </a:bodyPr>
           <a:lstStyle/>
           <a:p>
-            <a:endParaRPr/>
+            <a:endParaRPr dirty="0"/>
           </a:p>
         </p:txBody>
       </p:sp>
@@ -1544,12 +1544,20 @@
               </a:spcAft>
             </a:pPr>
             <a:r>
+              <a:rPr lang="en-US" sz="14400" b="0" spc="-513" dirty="0" err="1">
+                <a:solidFill>
+                  <a:schemeClr val="tx1"/>
+                </a:solidFill>
+              </a:rPr>
+              <a:t>AutoDJ</a:t>
+            </a:r>
+            <a:r>
               <a:rPr lang="en-US" sz="14400" b="0" spc="-513" dirty="0">
                 <a:solidFill>
                   <a:schemeClr val="tx1"/>
                 </a:solidFill>
               </a:rPr>
-              <a:t>Auto DJ Playlist Generator</a:t>
+              <a:t> Playlist Generator</a:t>
             </a:r>
             <a:endParaRPr lang="en-US" sz="14400" b="0" spc="-87" dirty="0">
               <a:solidFill>
@@ -1603,7 +1611,7 @@
         </p:nvSpPr>
         <p:spPr>
           <a:xfrm>
-            <a:off x="1572469" y="7219197"/>
+            <a:off x="1571151" y="7305663"/>
             <a:ext cx="9063269" cy="3736857"/>
           </a:xfrm>
           <a:prstGeom prst="rect">
@@ -2146,349 +2154,6 @@
           <a:lstStyle/>
           <a:p>
             <a:endParaRPr/>
-          </a:p>
-        </p:txBody>
-      </p:sp>
-      <p:sp>
-        <p:nvSpPr>
-          <p:cNvPr id="21" name="object 21"/>
-          <p:cNvSpPr txBox="1"/>
-          <p:nvPr/>
-        </p:nvSpPr>
-        <p:spPr>
-          <a:xfrm>
-            <a:off x="12088074" y="7219197"/>
-            <a:ext cx="9062438" cy="5344155"/>
-          </a:xfrm>
-          <a:prstGeom prst="rect">
-            <a:avLst/>
-          </a:prstGeom>
-        </p:spPr>
-        <p:txBody>
-          <a:bodyPr vert="horz" wrap="square" lIns="0" tIns="0" rIns="0" bIns="0" rtlCol="0">
-            <a:spAutoFit/>
-          </a:bodyPr>
-          <a:lstStyle/>
-          <a:p>
-            <a:pPr marL="19958">
-              <a:lnSpc>
-                <a:spcPct val="110000"/>
-              </a:lnSpc>
-            </a:pPr>
-            <a:r>
-              <a:rPr lang="en-US" sz="3500" b="1" spc="-11" dirty="0">
-                <a:solidFill>
-                  <a:srgbClr val="BD003A"/>
-                </a:solidFill>
-                <a:latin typeface="Arial"/>
-                <a:cs typeface="Arial"/>
-              </a:rPr>
-              <a:t>DESIGN</a:t>
-            </a:r>
-            <a:endParaRPr lang="en-US" sz="1100" b="1" spc="-11" dirty="0">
-              <a:solidFill>
-                <a:srgbClr val="BD003A"/>
-              </a:solidFill>
-              <a:latin typeface="Arial"/>
-              <a:cs typeface="Arial"/>
-            </a:endParaRPr>
-          </a:p>
-          <a:p>
-            <a:pPr marL="19958">
-              <a:lnSpc>
-                <a:spcPct val="110000"/>
-              </a:lnSpc>
-            </a:pPr>
-            <a:endParaRPr sz="1800" dirty="0"/>
-          </a:p>
-          <a:p>
-            <a:pPr marL="27719"/>
-            <a:r>
-              <a:rPr lang="en-US" sz="3200" b="1" spc="-218" dirty="0">
-                <a:solidFill>
-                  <a:srgbClr val="4C4D4F"/>
-                </a:solidFill>
-                <a:latin typeface="Arial"/>
-                <a:cs typeface="Arial"/>
-              </a:rPr>
-              <a:t>Technologies</a:t>
-            </a:r>
-            <a:endParaRPr sz="3200" dirty="0">
-              <a:latin typeface="Arial"/>
-              <a:cs typeface="Arial"/>
-            </a:endParaRPr>
-          </a:p>
-          <a:p>
-            <a:pPr>
-              <a:lnSpc>
-                <a:spcPts val="1855"/>
-              </a:lnSpc>
-              <a:spcBef>
-                <a:spcPts val="28"/>
-              </a:spcBef>
-            </a:pPr>
-            <a:endParaRPr sz="1900" dirty="0"/>
-          </a:p>
-          <a:p>
-            <a:pPr marL="255013" indent="-228682">
-              <a:buClr>
-                <a:srgbClr val="231F20"/>
-              </a:buClr>
-              <a:buFont typeface="Arial"/>
-              <a:buChar char="•"/>
-              <a:tabLst>
-                <a:tab pos="250857" algn="l"/>
-              </a:tabLst>
-            </a:pPr>
-            <a:r>
-              <a:rPr lang="en-US" sz="2700" spc="-11" dirty="0">
-                <a:solidFill>
-                  <a:srgbClr val="231F20"/>
-                </a:solidFill>
-                <a:latin typeface="Arial"/>
-                <a:cs typeface="Arial"/>
-              </a:rPr>
-              <a:t>Spotify API</a:t>
-            </a:r>
-            <a:endParaRPr sz="2700" dirty="0">
-              <a:latin typeface="Arial"/>
-              <a:cs typeface="Arial"/>
-            </a:endParaRPr>
-          </a:p>
-          <a:p>
-            <a:pPr>
-              <a:lnSpc>
-                <a:spcPts val="1855"/>
-              </a:lnSpc>
-              <a:spcBef>
-                <a:spcPts val="28"/>
-              </a:spcBef>
-              <a:buClr>
-                <a:srgbClr val="231F20"/>
-              </a:buClr>
-              <a:buFont typeface="Arial"/>
-              <a:buChar char="•"/>
-            </a:pPr>
-            <a:endParaRPr sz="1900" dirty="0"/>
-          </a:p>
-          <a:p>
-            <a:pPr marL="250857" indent="-224524">
-              <a:buClr>
-                <a:srgbClr val="231F20"/>
-              </a:buClr>
-              <a:buFont typeface="Arial"/>
-              <a:buChar char="•"/>
-              <a:tabLst>
-                <a:tab pos="250857" algn="l"/>
-              </a:tabLst>
-            </a:pPr>
-            <a:r>
-              <a:rPr lang="en-US" sz="2700" dirty="0">
-                <a:solidFill>
-                  <a:srgbClr val="231F20"/>
-                </a:solidFill>
-                <a:latin typeface="Arial"/>
-                <a:cs typeface="Arial"/>
-              </a:rPr>
-              <a:t>IBM Watson Discovery</a:t>
-            </a:r>
-            <a:endParaRPr sz="2700" dirty="0">
-              <a:latin typeface="Arial"/>
-              <a:cs typeface="Arial"/>
-            </a:endParaRPr>
-          </a:p>
-          <a:p>
-            <a:pPr>
-              <a:lnSpc>
-                <a:spcPts val="1855"/>
-              </a:lnSpc>
-              <a:spcBef>
-                <a:spcPts val="28"/>
-              </a:spcBef>
-              <a:buClr>
-                <a:srgbClr val="231F20"/>
-              </a:buClr>
-              <a:buFont typeface="Arial"/>
-              <a:buChar char="•"/>
-            </a:pPr>
-            <a:endParaRPr sz="1900" dirty="0"/>
-          </a:p>
-          <a:p>
-            <a:pPr marL="250857" indent="-224524">
-              <a:buClr>
-                <a:srgbClr val="231F20"/>
-              </a:buClr>
-              <a:buFont typeface="Arial"/>
-              <a:buChar char="•"/>
-              <a:tabLst>
-                <a:tab pos="250857" algn="l"/>
-              </a:tabLst>
-            </a:pPr>
-            <a:r>
-              <a:rPr lang="en-US" sz="2700" spc="-11" dirty="0">
-                <a:solidFill>
-                  <a:srgbClr val="231F20"/>
-                </a:solidFill>
-                <a:latin typeface="Arial"/>
-                <a:cs typeface="Arial"/>
-              </a:rPr>
-              <a:t>Python Flask</a:t>
-            </a:r>
-            <a:endParaRPr sz="2700" dirty="0">
-              <a:latin typeface="Arial"/>
-              <a:cs typeface="Arial"/>
-            </a:endParaRPr>
-          </a:p>
-          <a:p>
-            <a:pPr>
-              <a:lnSpc>
-                <a:spcPts val="1746"/>
-              </a:lnSpc>
-              <a:spcBef>
-                <a:spcPts val="52"/>
-              </a:spcBef>
-              <a:buClr>
-                <a:srgbClr val="231F20"/>
-              </a:buClr>
-              <a:buFont typeface="Arial"/>
-              <a:buChar char="•"/>
-            </a:pPr>
-            <a:endParaRPr sz="1700" dirty="0"/>
-          </a:p>
-          <a:p>
-            <a:pPr marL="255013" marR="1204391" indent="-228682">
-              <a:lnSpc>
-                <a:spcPct val="102600"/>
-              </a:lnSpc>
-              <a:buClr>
-                <a:srgbClr val="231F20"/>
-              </a:buClr>
-              <a:buFont typeface="Arial"/>
-              <a:buChar char="•"/>
-              <a:tabLst>
-                <a:tab pos="250857" algn="l"/>
-              </a:tabLst>
-            </a:pPr>
-            <a:r>
-              <a:rPr lang="en-US" sz="2700" spc="-11" dirty="0">
-                <a:solidFill>
-                  <a:srgbClr val="231F20"/>
-                </a:solidFill>
-                <a:latin typeface="Arial"/>
-                <a:cs typeface="Arial"/>
-              </a:rPr>
-              <a:t>JavaScript </a:t>
-            </a:r>
-            <a:r>
-              <a:rPr lang="en-US" sz="2700" spc="-11" dirty="0" err="1">
-                <a:solidFill>
-                  <a:srgbClr val="231F20"/>
-                </a:solidFill>
-                <a:latin typeface="Arial"/>
-                <a:cs typeface="Arial"/>
-              </a:rPr>
-              <a:t>Jquery</a:t>
-            </a:r>
-            <a:r>
-              <a:rPr lang="en-US" sz="2700" spc="-11" dirty="0">
-                <a:solidFill>
-                  <a:srgbClr val="231F20"/>
-                </a:solidFill>
-                <a:latin typeface="Arial"/>
-                <a:cs typeface="Arial"/>
-              </a:rPr>
-              <a:t> Requests</a:t>
-            </a:r>
-            <a:endParaRPr lang="en-US" sz="2700" dirty="0">
-              <a:latin typeface="Arial"/>
-              <a:cs typeface="Arial"/>
-            </a:endParaRPr>
-          </a:p>
-          <a:p>
-            <a:pPr>
-              <a:lnSpc>
-                <a:spcPts val="1855"/>
-              </a:lnSpc>
-              <a:spcBef>
-                <a:spcPts val="28"/>
-              </a:spcBef>
-              <a:buClr>
-                <a:srgbClr val="231F20"/>
-              </a:buClr>
-              <a:buFont typeface="Arial"/>
-              <a:buChar char="•"/>
-            </a:pPr>
-            <a:endParaRPr lang="en-US" sz="1900" dirty="0"/>
-          </a:p>
-          <a:p>
-            <a:pPr marL="250857" indent="-224524">
-              <a:buClr>
-                <a:srgbClr val="231F20"/>
-              </a:buClr>
-              <a:buFont typeface="Arial"/>
-              <a:buChar char="•"/>
-              <a:tabLst>
-                <a:tab pos="250857" algn="l"/>
-              </a:tabLst>
-            </a:pPr>
-            <a:r>
-              <a:rPr lang="en-US" sz="2700" spc="-76" dirty="0">
-                <a:solidFill>
-                  <a:srgbClr val="231F20"/>
-                </a:solidFill>
-                <a:latin typeface="Arial"/>
-                <a:cs typeface="Arial"/>
-              </a:rPr>
-              <a:t>Travis Continuous Integration</a:t>
-            </a:r>
-          </a:p>
-          <a:p>
-            <a:pPr>
-              <a:lnSpc>
-                <a:spcPts val="1855"/>
-              </a:lnSpc>
-              <a:spcBef>
-                <a:spcPts val="28"/>
-              </a:spcBef>
-              <a:buClr>
-                <a:srgbClr val="231F20"/>
-              </a:buClr>
-              <a:buFont typeface="Arial"/>
-              <a:buChar char="•"/>
-            </a:pPr>
-            <a:endParaRPr lang="en-US" sz="1900" dirty="0"/>
-          </a:p>
-          <a:p>
-            <a:pPr marL="250857" indent="-224524">
-              <a:buClr>
-                <a:srgbClr val="231F20"/>
-              </a:buClr>
-              <a:buFont typeface="Arial"/>
-              <a:buChar char="•"/>
-              <a:tabLst>
-                <a:tab pos="250857" algn="l"/>
-              </a:tabLst>
-            </a:pPr>
-            <a:r>
-              <a:rPr lang="en-US" sz="2700" spc="-76" dirty="0" err="1">
-                <a:solidFill>
-                  <a:srgbClr val="231F20"/>
-                </a:solidFill>
-                <a:latin typeface="Arial"/>
-                <a:cs typeface="Arial"/>
-              </a:rPr>
-              <a:t>Pytest</a:t>
-            </a:r>
-            <a:r>
-              <a:rPr lang="en-US" sz="2700" spc="-76" dirty="0">
-                <a:solidFill>
-                  <a:srgbClr val="231F20"/>
-                </a:solidFill>
-                <a:latin typeface="Arial"/>
-                <a:cs typeface="Arial"/>
-              </a:rPr>
-              <a:t> Testing Framework</a:t>
-            </a:r>
           </a:p>
         </p:txBody>
       </p:sp>
@@ -3016,8 +2681,8 @@
         </p:nvSpPr>
         <p:spPr>
           <a:xfrm>
-            <a:off x="23941915" y="29925819"/>
-            <a:ext cx="18020973" cy="940117"/>
+            <a:off x="24073684" y="30057869"/>
+            <a:ext cx="18020973" cy="871970"/>
           </a:xfrm>
           <a:prstGeom prst="rect">
             <a:avLst/>
@@ -3035,22 +2700,15 @@
               </a:lnSpc>
             </a:pPr>
             <a:r>
-              <a:rPr lang="en-US" sz="5200" spc="11" dirty="0">
+              <a:rPr lang="en-US" sz="5200" dirty="0">
                 <a:solidFill>
                   <a:schemeClr val="bg1"/>
                 </a:solidFill>
-                <a:latin typeface="Arial"/>
-                <a:cs typeface="Arial"/>
-              </a:rPr>
-              <a:t>WEBSITE / URL</a:t>
-            </a:r>
-            <a:endParaRPr sz="5200" dirty="0">
-              <a:solidFill>
-                <a:schemeClr val="bg1"/>
-              </a:solidFill>
-              <a:latin typeface="Arial"/>
-              <a:cs typeface="Arial"/>
-            </a:endParaRPr>
+                <a:latin typeface="Arial" panose="020B0604020202020204" pitchFamily="34" charset="0"/>
+                <a:cs typeface="Arial" panose="020B0604020202020204" pitchFamily="34" charset="0"/>
+              </a:rPr>
+              <a:t>https://github.com/ntbova/AutoDJ</a:t>
+            </a:r>
           </a:p>
         </p:txBody>
       </p:sp>
@@ -3076,8 +2734,8 @@
         </p:blipFill>
         <p:spPr>
           <a:xfrm>
-            <a:off x="2075460" y="29898109"/>
-            <a:ext cx="8224970" cy="1191491"/>
+            <a:off x="1596185" y="29778172"/>
+            <a:ext cx="9716355" cy="1407537"/>
           </a:xfrm>
           <a:prstGeom prst="rect">
             <a:avLst/>
@@ -3285,7 +2943,7 @@
         </p:nvSpPr>
         <p:spPr>
           <a:xfrm>
-            <a:off x="22648078" y="7203842"/>
+            <a:off x="22576092" y="7204489"/>
             <a:ext cx="9133138" cy="4670509"/>
           </a:xfrm>
           <a:prstGeom prst="rect">
@@ -3545,6 +3203,2661 @@
           </a:p>
         </p:txBody>
       </p:sp>
+      <p:sp>
+        <p:nvSpPr>
+          <p:cNvPr id="62" name="object 4">
+            <a:extLst>
+              <a:ext uri="{FF2B5EF4-FFF2-40B4-BE49-F238E27FC236}">
+                <a16:creationId xmlns:a16="http://schemas.microsoft.com/office/drawing/2014/main" id="{BA0DD767-B9AD-49A3-BC48-3FF4100A0F62}"/>
+              </a:ext>
+            </a:extLst>
+          </p:cNvPr>
+          <p:cNvSpPr txBox="1"/>
+          <p:nvPr/>
+        </p:nvSpPr>
+        <p:spPr>
+          <a:xfrm>
+            <a:off x="11832610" y="17952309"/>
+            <a:ext cx="8937668" cy="415498"/>
+          </a:xfrm>
+          <a:prstGeom prst="rect">
+            <a:avLst/>
+          </a:prstGeom>
+        </p:spPr>
+        <p:txBody>
+          <a:bodyPr vert="horz" wrap="square" lIns="0" tIns="0" rIns="0" bIns="0" rtlCol="0">
+            <a:spAutoFit/>
+          </a:bodyPr>
+          <a:lstStyle/>
+          <a:p>
+            <a:pPr marL="27719"/>
+            <a:r>
+              <a:rPr lang="en-US" sz="2700" b="1" spc="11" dirty="0">
+                <a:latin typeface="Arial"/>
+                <a:cs typeface="Arial"/>
+              </a:rPr>
+              <a:t>jQuery vs React</a:t>
+            </a:r>
+          </a:p>
+        </p:txBody>
+      </p:sp>
+      <p:graphicFrame>
+        <p:nvGraphicFramePr>
+          <p:cNvPr id="63" name="Table 62">
+            <a:extLst>
+              <a:ext uri="{FF2B5EF4-FFF2-40B4-BE49-F238E27FC236}">
+                <a16:creationId xmlns:a16="http://schemas.microsoft.com/office/drawing/2014/main" id="{1AAECF53-C3BB-4B56-B00F-421BF26903D6}"/>
+              </a:ext>
+            </a:extLst>
+          </p:cNvPr>
+          <p:cNvGraphicFramePr>
+            <a:graphicFrameLocks noGrp="1"/>
+          </p:cNvGraphicFramePr>
+          <p:nvPr>
+            <p:extLst>
+              <p:ext uri="{D42A27DB-BD31-4B8C-83A1-F6EECF244321}">
+                <p14:modId xmlns:p14="http://schemas.microsoft.com/office/powerpoint/2010/main" val="1964997723"/>
+              </p:ext>
+            </p:extLst>
+          </p:nvPr>
+        </p:nvGraphicFramePr>
+        <p:xfrm>
+          <a:off x="11841084" y="18471319"/>
+          <a:ext cx="9697761" cy="2163615"/>
+        </p:xfrm>
+        <a:graphic>
+          <a:graphicData uri="http://schemas.openxmlformats.org/drawingml/2006/table">
+            <a:tbl>
+              <a:tblPr firstRow="1" bandRow="1">
+                <a:tableStyleId>{5C22544A-7EE6-4342-B048-85BDC9FD1C3A}</a:tableStyleId>
+              </a:tblPr>
+              <a:tblGrid>
+                <a:gridCol w="1407805">
+                  <a:extLst>
+                    <a:ext uri="{9D8B030D-6E8A-4147-A177-3AD203B41FA5}">
+                      <a16:colId xmlns:a16="http://schemas.microsoft.com/office/drawing/2014/main" val="20000"/>
+                    </a:ext>
+                  </a:extLst>
+                </a:gridCol>
+                <a:gridCol w="4334926">
+                  <a:extLst>
+                    <a:ext uri="{9D8B030D-6E8A-4147-A177-3AD203B41FA5}">
+                      <a16:colId xmlns:a16="http://schemas.microsoft.com/office/drawing/2014/main" val="20001"/>
+                    </a:ext>
+                  </a:extLst>
+                </a:gridCol>
+                <a:gridCol w="3955030">
+                  <a:extLst>
+                    <a:ext uri="{9D8B030D-6E8A-4147-A177-3AD203B41FA5}">
+                      <a16:colId xmlns:a16="http://schemas.microsoft.com/office/drawing/2014/main" val="20002"/>
+                    </a:ext>
+                  </a:extLst>
+                </a:gridCol>
+              </a:tblGrid>
+              <a:tr h="609135">
+                <a:tc>
+                  <a:txBody>
+                    <a:bodyPr/>
+                    <a:lstStyle/>
+                    <a:p>
+                      <a:endParaRPr lang="en-US" dirty="0"/>
+                    </a:p>
+                  </a:txBody>
+                  <a:tcPr>
+                    <a:noFill/>
+                  </a:tcPr>
+                </a:tc>
+                <a:tc>
+                  <a:txBody>
+                    <a:bodyPr/>
+                    <a:lstStyle/>
+                    <a:p>
+                      <a:endParaRPr lang="en-US" dirty="0"/>
+                    </a:p>
+                  </a:txBody>
+                  <a:tcPr>
+                    <a:noFill/>
+                  </a:tcPr>
+                </a:tc>
+                <a:tc>
+                  <a:txBody>
+                    <a:bodyPr/>
+                    <a:lstStyle/>
+                    <a:p>
+                      <a:endParaRPr lang="en-US" dirty="0"/>
+                    </a:p>
+                  </a:txBody>
+                  <a:tcPr>
+                    <a:noFill/>
+                  </a:tcPr>
+                </a:tc>
+                <a:extLst>
+                  <a:ext uri="{0D108BD9-81ED-4DB2-BD59-A6C34878D82A}">
+                    <a16:rowId xmlns:a16="http://schemas.microsoft.com/office/drawing/2014/main" val="10000"/>
+                  </a:ext>
+                </a:extLst>
+              </a:tr>
+              <a:tr h="609135">
+                <a:tc>
+                  <a:txBody>
+                    <a:bodyPr/>
+                    <a:lstStyle/>
+                    <a:p>
+                      <a:pPr algn="ctr"/>
+                      <a:r>
+                        <a:rPr lang="en-US" sz="2000" kern="1200" dirty="0">
+                          <a:solidFill>
+                            <a:schemeClr val="tx1"/>
+                          </a:solidFill>
+                          <a:latin typeface="Arial"/>
+                          <a:ea typeface="+mn-ea"/>
+                          <a:cs typeface="Arial"/>
+                        </a:rPr>
+                        <a:t>Pros</a:t>
+                      </a:r>
+                    </a:p>
+                  </a:txBody>
+                  <a:tcPr anchor="ctr"/>
+                </a:tc>
+                <a:tc>
+                  <a:txBody>
+                    <a:bodyPr/>
+                    <a:lstStyle/>
+                    <a:p>
+                      <a:pPr marL="285750" indent="-285750">
+                        <a:buFont typeface="Arial" panose="020B0604020202020204" pitchFamily="34" charset="0"/>
+                        <a:buChar char="•"/>
+                      </a:pPr>
+                      <a:r>
+                        <a:rPr lang="en-US" baseline="0" dirty="0"/>
+                        <a:t>Lean code</a:t>
+                      </a:r>
+                      <a:endParaRPr lang="en-US" dirty="0"/>
+                    </a:p>
+                    <a:p>
+                      <a:pPr marL="285750" indent="-285750">
+                        <a:buFont typeface="Arial" panose="020B0604020202020204" pitchFamily="34" charset="0"/>
+                        <a:buChar char="•"/>
+                      </a:pPr>
+                      <a:r>
+                        <a:rPr lang="en-US" dirty="0"/>
+                        <a:t>Manipulate DOM directly</a:t>
+                      </a:r>
+                      <a:endParaRPr lang="en-US" baseline="0" dirty="0"/>
+                    </a:p>
+                    <a:p>
+                      <a:pPr marL="285750" indent="-285750">
+                        <a:buFont typeface="Arial" panose="020B0604020202020204" pitchFamily="34" charset="0"/>
+                        <a:buChar char="•"/>
+                      </a:pPr>
+                      <a:r>
+                        <a:rPr lang="en-US" baseline="0" dirty="0"/>
+                        <a:t>Perform AJAX calls simply</a:t>
+                      </a:r>
+                      <a:endParaRPr lang="en-US" dirty="0"/>
+                    </a:p>
+                  </a:txBody>
+                  <a:tcPr/>
+                </a:tc>
+                <a:tc>
+                  <a:txBody>
+                    <a:bodyPr/>
+                    <a:lstStyle/>
+                    <a:p>
+                      <a:pPr marL="285750" indent="-285750" fontAlgn="base">
+                        <a:buFont typeface="Arial" panose="020B0604020202020204" pitchFamily="34" charset="0"/>
+                        <a:buChar char="•"/>
+                      </a:pPr>
+                      <a:r>
+                        <a:rPr lang="en-US" b="0" i="0" dirty="0">
+                          <a:solidFill>
+                            <a:schemeClr val="dk1"/>
+                          </a:solidFill>
+                          <a:effectLst/>
+                          <a:latin typeface="+mn-lt"/>
+                          <a:ea typeface="+mn-ea"/>
+                          <a:cs typeface="+mn-cs"/>
+                        </a:rPr>
+                        <a:t>Use of virtual DOM</a:t>
+                      </a:r>
+                    </a:p>
+                    <a:p>
+                      <a:pPr marL="285750" marR="0" lvl="0" indent="-285750" defTabSz="914400" eaLnBrk="1" fontAlgn="auto" latinLnBrk="0" hangingPunct="1">
+                        <a:lnSpc>
+                          <a:spcPct val="100000"/>
+                        </a:lnSpc>
+                        <a:spcBef>
+                          <a:spcPts val="0"/>
+                        </a:spcBef>
+                        <a:spcAft>
+                          <a:spcPts val="0"/>
+                        </a:spcAft>
+                        <a:buClrTx/>
+                        <a:buSzTx/>
+                        <a:buFont typeface="Arial" panose="020B0604020202020204" pitchFamily="34" charset="0"/>
+                        <a:buChar char="•"/>
+                        <a:tabLst/>
+                        <a:defRPr/>
+                      </a:pPr>
+                      <a:r>
+                        <a:rPr lang="en-US" b="0" i="0" dirty="0">
+                          <a:solidFill>
+                            <a:schemeClr val="dk1"/>
+                          </a:solidFill>
+                          <a:effectLst/>
+                          <a:latin typeface="+mn-lt"/>
+                          <a:ea typeface="+mn-ea"/>
+                          <a:cs typeface="+mn-cs"/>
+                        </a:rPr>
+                        <a:t>Much faster performance</a:t>
+                      </a:r>
+                      <a:endParaRPr lang="en-US" baseline="0" dirty="0"/>
+                    </a:p>
+                    <a:p>
+                      <a:pPr marL="285750" marR="0" lvl="0" indent="-285750" defTabSz="914400" eaLnBrk="1" fontAlgn="auto" latinLnBrk="0" hangingPunct="1">
+                        <a:lnSpc>
+                          <a:spcPct val="100000"/>
+                        </a:lnSpc>
+                        <a:spcBef>
+                          <a:spcPts val="0"/>
+                        </a:spcBef>
+                        <a:spcAft>
+                          <a:spcPts val="0"/>
+                        </a:spcAft>
+                        <a:buClrTx/>
+                        <a:buSzTx/>
+                        <a:buFont typeface="Arial" panose="020B0604020202020204" pitchFamily="34" charset="0"/>
+                        <a:buChar char="•"/>
+                        <a:tabLst/>
+                        <a:defRPr/>
+                      </a:pPr>
+                      <a:r>
+                        <a:rPr lang="en-US" b="0" i="0" dirty="0">
+                          <a:solidFill>
+                            <a:schemeClr val="dk1"/>
+                          </a:solidFill>
+                          <a:effectLst/>
+                          <a:latin typeface="+mn-lt"/>
+                          <a:ea typeface="+mn-ea"/>
+                          <a:cs typeface="+mn-cs"/>
+                        </a:rPr>
+                        <a:t>Better control and maintenance</a:t>
+                      </a:r>
+                    </a:p>
+                  </a:txBody>
+                  <a:tcPr/>
+                </a:tc>
+                <a:extLst>
+                  <a:ext uri="{0D108BD9-81ED-4DB2-BD59-A6C34878D82A}">
+                    <a16:rowId xmlns:a16="http://schemas.microsoft.com/office/drawing/2014/main" val="10001"/>
+                  </a:ext>
+                </a:extLst>
+              </a:tr>
+              <a:tr h="609135">
+                <a:tc>
+                  <a:txBody>
+                    <a:bodyPr/>
+                    <a:lstStyle/>
+                    <a:p>
+                      <a:pPr algn="ctr"/>
+                      <a:r>
+                        <a:rPr lang="en-US" sz="2000" kern="1200" dirty="0">
+                          <a:solidFill>
+                            <a:schemeClr val="tx1"/>
+                          </a:solidFill>
+                          <a:latin typeface="Arial"/>
+                          <a:ea typeface="+mn-ea"/>
+                          <a:cs typeface="Arial"/>
+                        </a:rPr>
+                        <a:t>Cons</a:t>
+                      </a:r>
+                    </a:p>
+                  </a:txBody>
+                  <a:tcPr anchor="ctr"/>
+                </a:tc>
+                <a:tc>
+                  <a:txBody>
+                    <a:bodyPr/>
+                    <a:lstStyle/>
+                    <a:p>
+                      <a:pPr marL="285750" marR="0" lvl="0" indent="-285750" defTabSz="914400" eaLnBrk="1" fontAlgn="auto" latinLnBrk="0" hangingPunct="1">
+                        <a:lnSpc>
+                          <a:spcPct val="100000"/>
+                        </a:lnSpc>
+                        <a:spcBef>
+                          <a:spcPts val="0"/>
+                        </a:spcBef>
+                        <a:spcAft>
+                          <a:spcPts val="0"/>
+                        </a:spcAft>
+                        <a:buClrTx/>
+                        <a:buSzTx/>
+                        <a:buFont typeface="Arial" panose="020B0604020202020204" pitchFamily="34" charset="0"/>
+                        <a:buChar char="•"/>
+                        <a:tabLst/>
+                        <a:defRPr/>
+                      </a:pPr>
+                      <a:r>
+                        <a:rPr lang="en-US" b="0" i="0" dirty="0">
+                          <a:solidFill>
+                            <a:schemeClr val="dk1"/>
+                          </a:solidFill>
+                          <a:effectLst/>
+                          <a:latin typeface="+mn-lt"/>
+                          <a:ea typeface="+mn-ea"/>
+                          <a:cs typeface="+mn-cs"/>
+                        </a:rPr>
+                        <a:t>Overhead of adding extra JS to page</a:t>
+                      </a:r>
+                      <a:endParaRPr lang="en-US" dirty="0"/>
+                    </a:p>
+                    <a:p>
+                      <a:pPr marL="285750" indent="-285750">
+                        <a:buFont typeface="Arial" panose="020B0604020202020204" pitchFamily="34" charset="0"/>
+                        <a:buChar char="•"/>
+                      </a:pPr>
+                      <a:r>
+                        <a:rPr lang="en-US" b="0" i="0" dirty="0">
+                          <a:solidFill>
+                            <a:schemeClr val="dk1"/>
+                          </a:solidFill>
+                          <a:effectLst/>
+                          <a:latin typeface="+mn-lt"/>
+                          <a:ea typeface="+mn-ea"/>
+                          <a:cs typeface="+mn-cs"/>
+                        </a:rPr>
+                        <a:t>Slow performance</a:t>
+                      </a:r>
+                      <a:endParaRPr lang="en-US" dirty="0"/>
+                    </a:p>
+                  </a:txBody>
+                  <a:tcPr/>
+                </a:tc>
+                <a:tc>
+                  <a:txBody>
+                    <a:bodyPr/>
+                    <a:lstStyle/>
+                    <a:p>
+                      <a:pPr marL="285750" indent="-285750">
+                        <a:buFont typeface="Arial" panose="020B0604020202020204" pitchFamily="34" charset="0"/>
+                        <a:buChar char="•"/>
+                      </a:pPr>
+                      <a:r>
+                        <a:rPr lang="en-US" b="0" i="0" dirty="0">
+                          <a:solidFill>
+                            <a:schemeClr val="dk1"/>
+                          </a:solidFill>
+                          <a:effectLst/>
+                          <a:latin typeface="+mn-lt"/>
+                          <a:ea typeface="+mn-ea"/>
+                          <a:cs typeface="+mn-cs"/>
+                        </a:rPr>
+                        <a:t>Steep learning curve</a:t>
+                      </a:r>
+                    </a:p>
+                    <a:p>
+                      <a:pPr marL="285750" marR="0" lvl="0" indent="-285750" defTabSz="914400" eaLnBrk="1" fontAlgn="auto" latinLnBrk="0" hangingPunct="1">
+                        <a:lnSpc>
+                          <a:spcPct val="100000"/>
+                        </a:lnSpc>
+                        <a:spcBef>
+                          <a:spcPts val="0"/>
+                        </a:spcBef>
+                        <a:spcAft>
+                          <a:spcPts val="0"/>
+                        </a:spcAft>
+                        <a:buClrTx/>
+                        <a:buSzTx/>
+                        <a:buFont typeface="Arial" panose="020B0604020202020204" pitchFamily="34" charset="0"/>
+                        <a:buChar char="•"/>
+                        <a:tabLst/>
+                        <a:defRPr/>
+                      </a:pPr>
+                      <a:r>
+                        <a:rPr lang="en-US" b="0" i="0" dirty="0">
+                          <a:solidFill>
+                            <a:schemeClr val="dk1"/>
+                          </a:solidFill>
+                          <a:effectLst/>
+                          <a:latin typeface="+mn-lt"/>
+                          <a:ea typeface="+mn-ea"/>
+                          <a:cs typeface="+mn-cs"/>
+                        </a:rPr>
+                        <a:t>Poor documentation</a:t>
+                      </a:r>
+                    </a:p>
+                  </a:txBody>
+                  <a:tcPr/>
+                </a:tc>
+                <a:extLst>
+                  <a:ext uri="{0D108BD9-81ED-4DB2-BD59-A6C34878D82A}">
+                    <a16:rowId xmlns:a16="http://schemas.microsoft.com/office/drawing/2014/main" val="10002"/>
+                  </a:ext>
+                </a:extLst>
+              </a:tr>
+            </a:tbl>
+          </a:graphicData>
+        </a:graphic>
+      </p:graphicFrame>
+      <p:sp>
+        <p:nvSpPr>
+          <p:cNvPr id="64" name="object 12">
+            <a:extLst>
+              <a:ext uri="{FF2B5EF4-FFF2-40B4-BE49-F238E27FC236}">
+                <a16:creationId xmlns:a16="http://schemas.microsoft.com/office/drawing/2014/main" id="{2B8E6A78-39FF-479D-ABE5-AA8C4FA28AD7}"/>
+              </a:ext>
+            </a:extLst>
+          </p:cNvPr>
+          <p:cNvSpPr txBox="1"/>
+          <p:nvPr/>
+        </p:nvSpPr>
+        <p:spPr>
+          <a:xfrm>
+            <a:off x="11939851" y="20788205"/>
+            <a:ext cx="9497082" cy="538865"/>
+          </a:xfrm>
+          <a:prstGeom prst="rect">
+            <a:avLst/>
+          </a:prstGeom>
+        </p:spPr>
+        <p:txBody>
+          <a:bodyPr vert="horz" wrap="square" lIns="0" tIns="0" rIns="0" bIns="0" rtlCol="0">
+            <a:spAutoFit/>
+          </a:bodyPr>
+          <a:lstStyle/>
+          <a:p>
+            <a:pPr marL="27719" marR="13860">
+              <a:lnSpc>
+                <a:spcPct val="103099"/>
+              </a:lnSpc>
+            </a:pPr>
+            <a:r>
+              <a:rPr lang="en-US" sz="1700" i="1" spc="22" dirty="0">
+                <a:latin typeface="Arial"/>
+                <a:cs typeface="Arial"/>
+              </a:rPr>
+              <a:t>We chose jQuery as our JavaScript framework because it’s lightweight and easy to write, and we didn’t need the extra features provided by React.</a:t>
+            </a:r>
+            <a:endParaRPr sz="1700" dirty="0">
+              <a:latin typeface="Arial"/>
+              <a:cs typeface="Arial"/>
+            </a:endParaRPr>
+          </a:p>
+        </p:txBody>
+      </p:sp>
+      <p:sp>
+        <p:nvSpPr>
+          <p:cNvPr id="66" name="object 4">
+            <a:extLst>
+              <a:ext uri="{FF2B5EF4-FFF2-40B4-BE49-F238E27FC236}">
+                <a16:creationId xmlns:a16="http://schemas.microsoft.com/office/drawing/2014/main" id="{370226B4-31ED-430B-96DD-A91195D81A50}"/>
+              </a:ext>
+            </a:extLst>
+          </p:cNvPr>
+          <p:cNvSpPr txBox="1"/>
+          <p:nvPr/>
+        </p:nvSpPr>
+        <p:spPr>
+          <a:xfrm>
+            <a:off x="11787401" y="21433275"/>
+            <a:ext cx="8937668" cy="415498"/>
+          </a:xfrm>
+          <a:prstGeom prst="rect">
+            <a:avLst/>
+          </a:prstGeom>
+        </p:spPr>
+        <p:txBody>
+          <a:bodyPr vert="horz" wrap="square" lIns="0" tIns="0" rIns="0" bIns="0" rtlCol="0">
+            <a:spAutoFit/>
+          </a:bodyPr>
+          <a:lstStyle/>
+          <a:p>
+            <a:pPr marL="27719"/>
+            <a:r>
+              <a:rPr lang="en-US" sz="2700" b="1" spc="11" dirty="0">
+                <a:latin typeface="Arial"/>
+                <a:cs typeface="Arial"/>
+              </a:rPr>
+              <a:t>Travis vs Jenkins</a:t>
+            </a:r>
+          </a:p>
+        </p:txBody>
+      </p:sp>
+      <p:graphicFrame>
+        <p:nvGraphicFramePr>
+          <p:cNvPr id="67" name="Table 66">
+            <a:extLst>
+              <a:ext uri="{FF2B5EF4-FFF2-40B4-BE49-F238E27FC236}">
+                <a16:creationId xmlns:a16="http://schemas.microsoft.com/office/drawing/2014/main" id="{8EEC143C-CC67-45D4-82EA-25E25DF62B5A}"/>
+              </a:ext>
+            </a:extLst>
+          </p:cNvPr>
+          <p:cNvGraphicFramePr>
+            <a:graphicFrameLocks noGrp="1"/>
+          </p:cNvGraphicFramePr>
+          <p:nvPr>
+            <p:extLst>
+              <p:ext uri="{D42A27DB-BD31-4B8C-83A1-F6EECF244321}">
+                <p14:modId xmlns:p14="http://schemas.microsoft.com/office/powerpoint/2010/main" val="2727203007"/>
+              </p:ext>
+            </p:extLst>
+          </p:nvPr>
+        </p:nvGraphicFramePr>
+        <p:xfrm>
+          <a:off x="11832610" y="21948025"/>
+          <a:ext cx="9697761" cy="2163615"/>
+        </p:xfrm>
+        <a:graphic>
+          <a:graphicData uri="http://schemas.openxmlformats.org/drawingml/2006/table">
+            <a:tbl>
+              <a:tblPr firstRow="1" bandRow="1">
+                <a:tableStyleId>{5C22544A-7EE6-4342-B048-85BDC9FD1C3A}</a:tableStyleId>
+              </a:tblPr>
+              <a:tblGrid>
+                <a:gridCol w="1407805">
+                  <a:extLst>
+                    <a:ext uri="{9D8B030D-6E8A-4147-A177-3AD203B41FA5}">
+                      <a16:colId xmlns:a16="http://schemas.microsoft.com/office/drawing/2014/main" val="20000"/>
+                    </a:ext>
+                  </a:extLst>
+                </a:gridCol>
+                <a:gridCol w="4302344">
+                  <a:extLst>
+                    <a:ext uri="{9D8B030D-6E8A-4147-A177-3AD203B41FA5}">
+                      <a16:colId xmlns:a16="http://schemas.microsoft.com/office/drawing/2014/main" val="20001"/>
+                    </a:ext>
+                  </a:extLst>
+                </a:gridCol>
+                <a:gridCol w="3987612">
+                  <a:extLst>
+                    <a:ext uri="{9D8B030D-6E8A-4147-A177-3AD203B41FA5}">
+                      <a16:colId xmlns:a16="http://schemas.microsoft.com/office/drawing/2014/main" val="20002"/>
+                    </a:ext>
+                  </a:extLst>
+                </a:gridCol>
+              </a:tblGrid>
+              <a:tr h="609135">
+                <a:tc>
+                  <a:txBody>
+                    <a:bodyPr/>
+                    <a:lstStyle/>
+                    <a:p>
+                      <a:endParaRPr lang="en-US" dirty="0"/>
+                    </a:p>
+                  </a:txBody>
+                  <a:tcPr>
+                    <a:noFill/>
+                  </a:tcPr>
+                </a:tc>
+                <a:tc>
+                  <a:txBody>
+                    <a:bodyPr/>
+                    <a:lstStyle/>
+                    <a:p>
+                      <a:endParaRPr lang="en-US" dirty="0"/>
+                    </a:p>
+                  </a:txBody>
+                  <a:tcPr>
+                    <a:noFill/>
+                  </a:tcPr>
+                </a:tc>
+                <a:tc>
+                  <a:txBody>
+                    <a:bodyPr/>
+                    <a:lstStyle/>
+                    <a:p>
+                      <a:endParaRPr lang="en-US" dirty="0"/>
+                    </a:p>
+                  </a:txBody>
+                  <a:tcPr>
+                    <a:noFill/>
+                  </a:tcPr>
+                </a:tc>
+                <a:extLst>
+                  <a:ext uri="{0D108BD9-81ED-4DB2-BD59-A6C34878D82A}">
+                    <a16:rowId xmlns:a16="http://schemas.microsoft.com/office/drawing/2014/main" val="10000"/>
+                  </a:ext>
+                </a:extLst>
+              </a:tr>
+              <a:tr h="609135">
+                <a:tc>
+                  <a:txBody>
+                    <a:bodyPr/>
+                    <a:lstStyle/>
+                    <a:p>
+                      <a:pPr algn="ctr"/>
+                      <a:r>
+                        <a:rPr lang="en-US" sz="2000" kern="1200" dirty="0">
+                          <a:solidFill>
+                            <a:schemeClr val="tx1"/>
+                          </a:solidFill>
+                          <a:latin typeface="Arial"/>
+                          <a:ea typeface="+mn-ea"/>
+                          <a:cs typeface="Arial"/>
+                        </a:rPr>
+                        <a:t>Pros</a:t>
+                      </a:r>
+                    </a:p>
+                  </a:txBody>
+                  <a:tcPr anchor="ctr"/>
+                </a:tc>
+                <a:tc>
+                  <a:txBody>
+                    <a:bodyPr/>
+                    <a:lstStyle/>
+                    <a:p>
+                      <a:pPr marL="285750" indent="-285750">
+                        <a:buFont typeface="Arial" panose="020B0604020202020204" pitchFamily="34" charset="0"/>
+                        <a:buChar char="•"/>
+                      </a:pPr>
+                      <a:r>
+                        <a:rPr lang="en-US" baseline="0" dirty="0"/>
+                        <a:t>Lightweight and easy to set up</a:t>
+                      </a:r>
+                      <a:endParaRPr lang="en-US" dirty="0"/>
+                    </a:p>
+                    <a:p>
+                      <a:pPr marL="285750" indent="-285750">
+                        <a:buFont typeface="Arial" panose="020B0604020202020204" pitchFamily="34" charset="0"/>
+                        <a:buChar char="•"/>
+                      </a:pPr>
+                      <a:r>
+                        <a:rPr lang="en-US" dirty="0"/>
+                        <a:t>No dedicated</a:t>
+                      </a:r>
+                      <a:r>
+                        <a:rPr lang="en-US" baseline="0" dirty="0"/>
+                        <a:t> server needed</a:t>
+                      </a:r>
+                    </a:p>
+                    <a:p>
+                      <a:pPr marL="285750" indent="-285750">
+                        <a:buFont typeface="Arial" panose="020B0604020202020204" pitchFamily="34" charset="0"/>
+                        <a:buChar char="•"/>
+                      </a:pPr>
+                      <a:r>
+                        <a:rPr lang="en-US" baseline="0" dirty="0"/>
+                        <a:t>Build matrix feature</a:t>
+                      </a:r>
+                      <a:endParaRPr lang="en-US" dirty="0"/>
+                    </a:p>
+                  </a:txBody>
+                  <a:tcPr/>
+                </a:tc>
+                <a:tc>
+                  <a:txBody>
+                    <a:bodyPr/>
+                    <a:lstStyle/>
+                    <a:p>
+                      <a:pPr marL="285750" indent="-285750" fontAlgn="base">
+                        <a:buFont typeface="Arial" panose="020B0604020202020204" pitchFamily="34" charset="0"/>
+                        <a:buChar char="•"/>
+                      </a:pPr>
+                      <a:r>
+                        <a:rPr lang="en-US" b="0" i="0" dirty="0">
+                          <a:solidFill>
+                            <a:schemeClr val="dk1"/>
+                          </a:solidFill>
+                          <a:effectLst/>
+                          <a:latin typeface="+mn-lt"/>
+                          <a:ea typeface="+mn-ea"/>
+                          <a:cs typeface="+mn-cs"/>
+                        </a:rPr>
+                        <a:t>Many options for customization</a:t>
+                      </a:r>
+                    </a:p>
+                    <a:p>
+                      <a:pPr marL="285750" marR="0" lvl="0" indent="-285750" defTabSz="914400" eaLnBrk="1" fontAlgn="auto" latinLnBrk="0" hangingPunct="1">
+                        <a:lnSpc>
+                          <a:spcPct val="100000"/>
+                        </a:lnSpc>
+                        <a:spcBef>
+                          <a:spcPts val="0"/>
+                        </a:spcBef>
+                        <a:spcAft>
+                          <a:spcPts val="0"/>
+                        </a:spcAft>
+                        <a:buClrTx/>
+                        <a:buSzTx/>
+                        <a:buFont typeface="Arial" panose="020B0604020202020204" pitchFamily="34" charset="0"/>
+                        <a:buChar char="•"/>
+                        <a:tabLst/>
+                        <a:defRPr/>
+                      </a:pPr>
+                      <a:r>
+                        <a:rPr lang="en-US" b="0" i="0" dirty="0">
+                          <a:solidFill>
+                            <a:schemeClr val="dk1"/>
+                          </a:solidFill>
+                          <a:effectLst/>
+                          <a:latin typeface="+mn-lt"/>
+                          <a:ea typeface="+mn-ea"/>
+                          <a:cs typeface="+mn-cs"/>
+                        </a:rPr>
+                        <a:t>Big collection of plugins</a:t>
+                      </a:r>
+                      <a:endParaRPr lang="en-US" baseline="0" dirty="0"/>
+                    </a:p>
+                  </a:txBody>
+                  <a:tcPr/>
+                </a:tc>
+                <a:extLst>
+                  <a:ext uri="{0D108BD9-81ED-4DB2-BD59-A6C34878D82A}">
+                    <a16:rowId xmlns:a16="http://schemas.microsoft.com/office/drawing/2014/main" val="10001"/>
+                  </a:ext>
+                </a:extLst>
+              </a:tr>
+              <a:tr h="609135">
+                <a:tc>
+                  <a:txBody>
+                    <a:bodyPr/>
+                    <a:lstStyle/>
+                    <a:p>
+                      <a:pPr algn="ctr"/>
+                      <a:r>
+                        <a:rPr lang="en-US" sz="2000" kern="1200" dirty="0">
+                          <a:solidFill>
+                            <a:schemeClr val="tx1"/>
+                          </a:solidFill>
+                          <a:latin typeface="Arial"/>
+                          <a:ea typeface="+mn-ea"/>
+                          <a:cs typeface="Arial"/>
+                        </a:rPr>
+                        <a:t>Cons</a:t>
+                      </a:r>
+                    </a:p>
+                  </a:txBody>
+                  <a:tcPr anchor="ctr"/>
+                </a:tc>
+                <a:tc>
+                  <a:txBody>
+                    <a:bodyPr/>
+                    <a:lstStyle/>
+                    <a:p>
+                      <a:pPr marL="285750" marR="0" lvl="0" indent="-285750" defTabSz="914400" eaLnBrk="1" fontAlgn="auto" latinLnBrk="0" hangingPunct="1">
+                        <a:lnSpc>
+                          <a:spcPct val="100000"/>
+                        </a:lnSpc>
+                        <a:spcBef>
+                          <a:spcPts val="0"/>
+                        </a:spcBef>
+                        <a:spcAft>
+                          <a:spcPts val="0"/>
+                        </a:spcAft>
+                        <a:buClrTx/>
+                        <a:buSzTx/>
+                        <a:buFont typeface="Arial" panose="020B0604020202020204" pitchFamily="34" charset="0"/>
+                        <a:buChar char="•"/>
+                        <a:tabLst/>
+                        <a:defRPr/>
+                      </a:pPr>
+                      <a:r>
+                        <a:rPr lang="en-US" b="0" i="0" dirty="0">
+                          <a:solidFill>
+                            <a:schemeClr val="dk1"/>
+                          </a:solidFill>
+                          <a:effectLst/>
+                          <a:latin typeface="+mn-lt"/>
+                          <a:ea typeface="+mn-ea"/>
+                          <a:cs typeface="+mn-cs"/>
+                        </a:rPr>
+                        <a:t>Limited options for customization</a:t>
+                      </a:r>
+                      <a:endParaRPr lang="en-US" dirty="0"/>
+                    </a:p>
+                  </a:txBody>
+                  <a:tcPr/>
+                </a:tc>
+                <a:tc>
+                  <a:txBody>
+                    <a:bodyPr/>
+                    <a:lstStyle/>
+                    <a:p>
+                      <a:pPr marL="285750" indent="-285750">
+                        <a:buFont typeface="Arial" panose="020B0604020202020204" pitchFamily="34" charset="0"/>
+                        <a:buChar char="•"/>
+                      </a:pPr>
+                      <a:r>
+                        <a:rPr lang="en-US" b="0" i="0" dirty="0">
+                          <a:solidFill>
+                            <a:schemeClr val="dk1"/>
+                          </a:solidFill>
+                          <a:effectLst/>
+                          <a:latin typeface="+mn-lt"/>
+                          <a:ea typeface="+mn-ea"/>
+                          <a:cs typeface="+mn-cs"/>
+                        </a:rPr>
+                        <a:t>Requires a dedicated server</a:t>
+                      </a:r>
+                    </a:p>
+                    <a:p>
+                      <a:pPr marL="285750" indent="-285750">
+                        <a:buFont typeface="Arial" panose="020B0604020202020204" pitchFamily="34" charset="0"/>
+                        <a:buChar char="•"/>
+                      </a:pPr>
+                      <a:r>
+                        <a:rPr lang="en-US" b="0" i="0" baseline="0" dirty="0">
+                          <a:solidFill>
+                            <a:schemeClr val="dk1"/>
+                          </a:solidFill>
+                          <a:effectLst/>
+                          <a:latin typeface="+mn-lt"/>
+                          <a:ea typeface="+mn-ea"/>
+                          <a:cs typeface="+mn-cs"/>
+                        </a:rPr>
+                        <a:t>Not easy to configure and customize</a:t>
+                      </a:r>
+                    </a:p>
+                  </a:txBody>
+                  <a:tcPr/>
+                </a:tc>
+                <a:extLst>
+                  <a:ext uri="{0D108BD9-81ED-4DB2-BD59-A6C34878D82A}">
+                    <a16:rowId xmlns:a16="http://schemas.microsoft.com/office/drawing/2014/main" val="10002"/>
+                  </a:ext>
+                </a:extLst>
+              </a:tr>
+            </a:tbl>
+          </a:graphicData>
+        </a:graphic>
+      </p:graphicFrame>
+      <p:sp>
+        <p:nvSpPr>
+          <p:cNvPr id="68" name="object 12">
+            <a:extLst>
+              <a:ext uri="{FF2B5EF4-FFF2-40B4-BE49-F238E27FC236}">
+                <a16:creationId xmlns:a16="http://schemas.microsoft.com/office/drawing/2014/main" id="{84C4AC02-78D8-4CDD-BE9C-2AB330735202}"/>
+              </a:ext>
+            </a:extLst>
+          </p:cNvPr>
+          <p:cNvSpPr txBox="1"/>
+          <p:nvPr/>
+        </p:nvSpPr>
+        <p:spPr>
+          <a:xfrm>
+            <a:off x="11931877" y="24258575"/>
+            <a:ext cx="9497082" cy="538865"/>
+          </a:xfrm>
+          <a:prstGeom prst="rect">
+            <a:avLst/>
+          </a:prstGeom>
+        </p:spPr>
+        <p:txBody>
+          <a:bodyPr vert="horz" wrap="square" lIns="0" tIns="0" rIns="0" bIns="0" rtlCol="0">
+            <a:spAutoFit/>
+          </a:bodyPr>
+          <a:lstStyle/>
+          <a:p>
+            <a:pPr marL="27719" marR="13860">
+              <a:lnSpc>
+                <a:spcPct val="103099"/>
+              </a:lnSpc>
+            </a:pPr>
+            <a:r>
+              <a:rPr lang="en-US" sz="1700" i="1" spc="22" dirty="0">
+                <a:latin typeface="Arial"/>
+                <a:cs typeface="Arial"/>
+              </a:rPr>
+              <a:t>We chose Travis as our Continuous Integration tool because it’s lightweight, easy to set up, and it needs no dedicated server.</a:t>
+            </a:r>
+            <a:endParaRPr sz="1700" dirty="0">
+              <a:latin typeface="Arial"/>
+              <a:cs typeface="Arial"/>
+            </a:endParaRPr>
+          </a:p>
+        </p:txBody>
+      </p:sp>
+      <p:sp>
+        <p:nvSpPr>
+          <p:cNvPr id="69" name="object 4">
+            <a:extLst>
+              <a:ext uri="{FF2B5EF4-FFF2-40B4-BE49-F238E27FC236}">
+                <a16:creationId xmlns:a16="http://schemas.microsoft.com/office/drawing/2014/main" id="{13AEFE5F-8D2B-4EA5-8B57-2D984DC82CB9}"/>
+              </a:ext>
+            </a:extLst>
+          </p:cNvPr>
+          <p:cNvSpPr txBox="1"/>
+          <p:nvPr/>
+        </p:nvSpPr>
+        <p:spPr>
+          <a:xfrm>
+            <a:off x="11787401" y="24950153"/>
+            <a:ext cx="8937668" cy="415498"/>
+          </a:xfrm>
+          <a:prstGeom prst="rect">
+            <a:avLst/>
+          </a:prstGeom>
+        </p:spPr>
+        <p:txBody>
+          <a:bodyPr vert="horz" wrap="square" lIns="0" tIns="0" rIns="0" bIns="0" rtlCol="0">
+            <a:spAutoFit/>
+          </a:bodyPr>
+          <a:lstStyle/>
+          <a:p>
+            <a:pPr marL="27719"/>
+            <a:r>
+              <a:rPr lang="en-US" sz="2700" b="1" spc="11" dirty="0">
+                <a:latin typeface="Arial"/>
+                <a:cs typeface="Arial"/>
+              </a:rPr>
+              <a:t>Pytest vs Nose</a:t>
+            </a:r>
+          </a:p>
+        </p:txBody>
+      </p:sp>
+      <p:graphicFrame>
+        <p:nvGraphicFramePr>
+          <p:cNvPr id="70" name="Table 69">
+            <a:extLst>
+              <a:ext uri="{FF2B5EF4-FFF2-40B4-BE49-F238E27FC236}">
+                <a16:creationId xmlns:a16="http://schemas.microsoft.com/office/drawing/2014/main" id="{8A391A13-52CA-4A0E-BE70-3D1F519D5366}"/>
+              </a:ext>
+            </a:extLst>
+          </p:cNvPr>
+          <p:cNvGraphicFramePr>
+            <a:graphicFrameLocks noGrp="1"/>
+          </p:cNvGraphicFramePr>
+          <p:nvPr>
+            <p:extLst>
+              <p:ext uri="{D42A27DB-BD31-4B8C-83A1-F6EECF244321}">
+                <p14:modId xmlns:p14="http://schemas.microsoft.com/office/powerpoint/2010/main" val="3700791554"/>
+              </p:ext>
+            </p:extLst>
+          </p:nvPr>
+        </p:nvGraphicFramePr>
+        <p:xfrm>
+          <a:off x="11820764" y="25374125"/>
+          <a:ext cx="9697761" cy="2437935"/>
+        </p:xfrm>
+        <a:graphic>
+          <a:graphicData uri="http://schemas.openxmlformats.org/drawingml/2006/table">
+            <a:tbl>
+              <a:tblPr firstRow="1" bandRow="1">
+                <a:tableStyleId>{5C22544A-7EE6-4342-B048-85BDC9FD1C3A}</a:tableStyleId>
+              </a:tblPr>
+              <a:tblGrid>
+                <a:gridCol w="1407805">
+                  <a:extLst>
+                    <a:ext uri="{9D8B030D-6E8A-4147-A177-3AD203B41FA5}">
+                      <a16:colId xmlns:a16="http://schemas.microsoft.com/office/drawing/2014/main" val="20000"/>
+                    </a:ext>
+                  </a:extLst>
+                </a:gridCol>
+                <a:gridCol w="4302344">
+                  <a:extLst>
+                    <a:ext uri="{9D8B030D-6E8A-4147-A177-3AD203B41FA5}">
+                      <a16:colId xmlns:a16="http://schemas.microsoft.com/office/drawing/2014/main" val="20001"/>
+                    </a:ext>
+                  </a:extLst>
+                </a:gridCol>
+                <a:gridCol w="3987612">
+                  <a:extLst>
+                    <a:ext uri="{9D8B030D-6E8A-4147-A177-3AD203B41FA5}">
+                      <a16:colId xmlns:a16="http://schemas.microsoft.com/office/drawing/2014/main" val="20002"/>
+                    </a:ext>
+                  </a:extLst>
+                </a:gridCol>
+              </a:tblGrid>
+              <a:tr h="609135">
+                <a:tc>
+                  <a:txBody>
+                    <a:bodyPr/>
+                    <a:lstStyle/>
+                    <a:p>
+                      <a:endParaRPr lang="en-US" dirty="0"/>
+                    </a:p>
+                  </a:txBody>
+                  <a:tcPr>
+                    <a:noFill/>
+                  </a:tcPr>
+                </a:tc>
+                <a:tc>
+                  <a:txBody>
+                    <a:bodyPr/>
+                    <a:lstStyle/>
+                    <a:p>
+                      <a:endParaRPr lang="en-US" dirty="0"/>
+                    </a:p>
+                  </a:txBody>
+                  <a:tcPr>
+                    <a:noFill/>
+                  </a:tcPr>
+                </a:tc>
+                <a:tc>
+                  <a:txBody>
+                    <a:bodyPr/>
+                    <a:lstStyle/>
+                    <a:p>
+                      <a:endParaRPr lang="en-US" dirty="0"/>
+                    </a:p>
+                  </a:txBody>
+                  <a:tcPr>
+                    <a:noFill/>
+                  </a:tcPr>
+                </a:tc>
+                <a:extLst>
+                  <a:ext uri="{0D108BD9-81ED-4DB2-BD59-A6C34878D82A}">
+                    <a16:rowId xmlns:a16="http://schemas.microsoft.com/office/drawing/2014/main" val="10000"/>
+                  </a:ext>
+                </a:extLst>
+              </a:tr>
+              <a:tr h="609135">
+                <a:tc>
+                  <a:txBody>
+                    <a:bodyPr/>
+                    <a:lstStyle/>
+                    <a:p>
+                      <a:pPr algn="ctr"/>
+                      <a:r>
+                        <a:rPr lang="en-US" sz="2000" kern="1200" dirty="0">
+                          <a:solidFill>
+                            <a:schemeClr val="tx1"/>
+                          </a:solidFill>
+                          <a:latin typeface="Arial"/>
+                          <a:ea typeface="+mn-ea"/>
+                          <a:cs typeface="Arial"/>
+                        </a:rPr>
+                        <a:t>Pros</a:t>
+                      </a:r>
+                    </a:p>
+                  </a:txBody>
+                  <a:tcPr anchor="ctr"/>
+                </a:tc>
+                <a:tc>
+                  <a:txBody>
+                    <a:bodyPr/>
+                    <a:lstStyle/>
+                    <a:p>
+                      <a:pPr marL="285750" indent="-285750">
+                        <a:buFont typeface="Arial" panose="020B0604020202020204" pitchFamily="34" charset="0"/>
+                        <a:buChar char="•"/>
+                      </a:pPr>
+                      <a:r>
+                        <a:rPr lang="en-US" baseline="0" dirty="0"/>
+                        <a:t>Allows for compact test suites</a:t>
+                      </a:r>
+                      <a:endParaRPr lang="en-US" dirty="0"/>
+                    </a:p>
+                    <a:p>
+                      <a:pPr marL="285750" indent="-285750">
+                        <a:buFont typeface="Arial" panose="020B0604020202020204" pitchFamily="34" charset="0"/>
+                        <a:buChar char="•"/>
+                      </a:pPr>
+                      <a:r>
+                        <a:rPr lang="en-US" dirty="0"/>
+                        <a:t>Useful failure information</a:t>
+                      </a:r>
+                      <a:endParaRPr lang="en-US" baseline="0" dirty="0"/>
+                    </a:p>
+                    <a:p>
+                      <a:pPr marL="285750" indent="-285750">
+                        <a:buFont typeface="Arial" panose="020B0604020202020204" pitchFamily="34" charset="0"/>
+                        <a:buChar char="•"/>
+                      </a:pPr>
+                      <a:r>
+                        <a:rPr lang="en-US" baseline="0" dirty="0"/>
+                        <a:t>Fixtures are simple and easy to use</a:t>
+                      </a:r>
+                    </a:p>
+                    <a:p>
+                      <a:pPr marL="285750" indent="-285750">
+                        <a:buFont typeface="Arial" panose="020B0604020202020204" pitchFamily="34" charset="0"/>
+                        <a:buChar char="•"/>
+                      </a:pPr>
+                      <a:r>
+                        <a:rPr lang="en-US" baseline="0" dirty="0"/>
+                        <a:t>Test parametrization</a:t>
+                      </a:r>
+                      <a:endParaRPr lang="en-US" dirty="0"/>
+                    </a:p>
+                  </a:txBody>
+                  <a:tcPr/>
+                </a:tc>
+                <a:tc>
+                  <a:txBody>
+                    <a:bodyPr/>
+                    <a:lstStyle/>
+                    <a:p>
+                      <a:pPr marL="285750" indent="-285750" fontAlgn="base">
+                        <a:buFont typeface="Arial" panose="020B0604020202020204" pitchFamily="34" charset="0"/>
+                        <a:buChar char="•"/>
+                      </a:pPr>
+                      <a:r>
+                        <a:rPr lang="en-US" b="0" i="0" dirty="0">
+                          <a:solidFill>
+                            <a:schemeClr val="dk1"/>
+                          </a:solidFill>
+                          <a:effectLst/>
+                          <a:latin typeface="+mn-lt"/>
+                          <a:ea typeface="+mn-ea"/>
+                          <a:cs typeface="+mn-cs"/>
+                        </a:rPr>
+                        <a:t>Minimal boilerplate</a:t>
+                      </a:r>
+                    </a:p>
+                    <a:p>
+                      <a:pPr marL="285750" marR="0" lvl="0" indent="-285750" defTabSz="914400" eaLnBrk="1" fontAlgn="auto" latinLnBrk="0" hangingPunct="1">
+                        <a:lnSpc>
+                          <a:spcPct val="100000"/>
+                        </a:lnSpc>
+                        <a:spcBef>
+                          <a:spcPts val="0"/>
+                        </a:spcBef>
+                        <a:spcAft>
+                          <a:spcPts val="0"/>
+                        </a:spcAft>
+                        <a:buClrTx/>
+                        <a:buSzTx/>
+                        <a:buFont typeface="Arial" panose="020B0604020202020204" pitchFamily="34" charset="0"/>
+                        <a:buChar char="•"/>
+                        <a:tabLst/>
+                        <a:defRPr/>
+                      </a:pPr>
+                      <a:r>
+                        <a:rPr lang="en-US" b="0" i="0" dirty="0">
+                          <a:solidFill>
+                            <a:schemeClr val="dk1"/>
+                          </a:solidFill>
+                          <a:effectLst/>
+                          <a:latin typeface="+mn-lt"/>
+                          <a:ea typeface="+mn-ea"/>
+                          <a:cs typeface="+mn-cs"/>
+                        </a:rPr>
+                        <a:t>Numerous plugins available</a:t>
+                      </a:r>
+                      <a:endParaRPr lang="en-US" baseline="0" dirty="0"/>
+                    </a:p>
+                  </a:txBody>
+                  <a:tcPr/>
+                </a:tc>
+                <a:extLst>
+                  <a:ext uri="{0D108BD9-81ED-4DB2-BD59-A6C34878D82A}">
+                    <a16:rowId xmlns:a16="http://schemas.microsoft.com/office/drawing/2014/main" val="10001"/>
+                  </a:ext>
+                </a:extLst>
+              </a:tr>
+              <a:tr h="609135">
+                <a:tc>
+                  <a:txBody>
+                    <a:bodyPr/>
+                    <a:lstStyle/>
+                    <a:p>
+                      <a:pPr algn="ctr"/>
+                      <a:r>
+                        <a:rPr lang="en-US" sz="2000" kern="1200" dirty="0">
+                          <a:solidFill>
+                            <a:schemeClr val="tx1"/>
+                          </a:solidFill>
+                          <a:latin typeface="Arial"/>
+                          <a:ea typeface="+mn-ea"/>
+                          <a:cs typeface="Arial"/>
+                        </a:rPr>
+                        <a:t>Cons</a:t>
+                      </a:r>
+                    </a:p>
+                  </a:txBody>
+                  <a:tcPr anchor="ctr"/>
+                </a:tc>
+                <a:tc>
+                  <a:txBody>
+                    <a:bodyPr/>
+                    <a:lstStyle/>
+                    <a:p>
+                      <a:pPr marL="285750" marR="0" lvl="0" indent="-285750" defTabSz="914400" eaLnBrk="1" fontAlgn="auto" latinLnBrk="0" hangingPunct="1">
+                        <a:lnSpc>
+                          <a:spcPct val="100000"/>
+                        </a:lnSpc>
+                        <a:spcBef>
+                          <a:spcPts val="0"/>
+                        </a:spcBef>
+                        <a:spcAft>
+                          <a:spcPts val="0"/>
+                        </a:spcAft>
+                        <a:buClrTx/>
+                        <a:buSzTx/>
+                        <a:buFont typeface="Arial" panose="020B0604020202020204" pitchFamily="34" charset="0"/>
+                        <a:buChar char="•"/>
+                        <a:tabLst/>
+                        <a:defRPr/>
+                      </a:pPr>
+                      <a:r>
+                        <a:rPr lang="en-US" b="0" i="0" dirty="0">
+                          <a:solidFill>
+                            <a:schemeClr val="dk1"/>
+                          </a:solidFill>
+                          <a:effectLst/>
+                          <a:latin typeface="+mn-lt"/>
+                          <a:ea typeface="+mn-ea"/>
+                          <a:cs typeface="+mn-cs"/>
+                        </a:rPr>
+                        <a:t>Compatibility issues with other testing frameworks</a:t>
+                      </a:r>
+                      <a:endParaRPr lang="en-US" dirty="0"/>
+                    </a:p>
+                  </a:txBody>
+                  <a:tcPr/>
+                </a:tc>
+                <a:tc>
+                  <a:txBody>
+                    <a:bodyPr/>
+                    <a:lstStyle/>
+                    <a:p>
+                      <a:pPr marL="285750" indent="-285750">
+                        <a:buFont typeface="Arial" panose="020B0604020202020204" pitchFamily="34" charset="0"/>
+                        <a:buChar char="•"/>
+                      </a:pPr>
+                      <a:r>
+                        <a:rPr lang="en-US" b="0" i="0" dirty="0">
+                          <a:solidFill>
+                            <a:schemeClr val="dk1"/>
+                          </a:solidFill>
+                          <a:effectLst/>
+                          <a:latin typeface="+mn-lt"/>
+                          <a:ea typeface="+mn-ea"/>
+                          <a:cs typeface="+mn-cs"/>
+                        </a:rPr>
+                        <a:t>Too much reliance on plugins</a:t>
+                      </a:r>
+                    </a:p>
+                  </a:txBody>
+                  <a:tcPr/>
+                </a:tc>
+                <a:extLst>
+                  <a:ext uri="{0D108BD9-81ED-4DB2-BD59-A6C34878D82A}">
+                    <a16:rowId xmlns:a16="http://schemas.microsoft.com/office/drawing/2014/main" val="10002"/>
+                  </a:ext>
+                </a:extLst>
+              </a:tr>
+            </a:tbl>
+          </a:graphicData>
+        </a:graphic>
+      </p:graphicFrame>
+      <p:sp>
+        <p:nvSpPr>
+          <p:cNvPr id="71" name="object 12">
+            <a:extLst>
+              <a:ext uri="{FF2B5EF4-FFF2-40B4-BE49-F238E27FC236}">
+                <a16:creationId xmlns:a16="http://schemas.microsoft.com/office/drawing/2014/main" id="{16313127-F834-4D3F-AF72-11293F09B48B}"/>
+              </a:ext>
+            </a:extLst>
+          </p:cNvPr>
+          <p:cNvSpPr txBox="1"/>
+          <p:nvPr/>
+        </p:nvSpPr>
+        <p:spPr>
+          <a:xfrm>
+            <a:off x="11923648" y="27944425"/>
+            <a:ext cx="9497082" cy="538865"/>
+          </a:xfrm>
+          <a:prstGeom prst="rect">
+            <a:avLst/>
+          </a:prstGeom>
+        </p:spPr>
+        <p:txBody>
+          <a:bodyPr vert="horz" wrap="square" lIns="0" tIns="0" rIns="0" bIns="0" rtlCol="0">
+            <a:spAutoFit/>
+          </a:bodyPr>
+          <a:lstStyle/>
+          <a:p>
+            <a:pPr marL="27719" marR="13860">
+              <a:lnSpc>
+                <a:spcPct val="103099"/>
+              </a:lnSpc>
+            </a:pPr>
+            <a:r>
+              <a:rPr lang="en-US" sz="1700" i="1" spc="22" dirty="0">
+                <a:latin typeface="Arial"/>
+                <a:cs typeface="Arial"/>
+              </a:rPr>
+              <a:t>We chose Pytest as our Python unit testing framework because it’s compact and easy to use, and it provides very pretty and useful failure information.</a:t>
+            </a:r>
+            <a:endParaRPr sz="1700" dirty="0">
+              <a:latin typeface="Arial"/>
+              <a:cs typeface="Arial"/>
+            </a:endParaRPr>
+          </a:p>
+        </p:txBody>
+      </p:sp>
+      <p:pic>
+        <p:nvPicPr>
+          <p:cNvPr id="72" name="Picture 71">
+            <a:extLst>
+              <a:ext uri="{FF2B5EF4-FFF2-40B4-BE49-F238E27FC236}">
+                <a16:creationId xmlns:a16="http://schemas.microsoft.com/office/drawing/2014/main" id="{40E6549D-D6B5-49D5-B442-D1F13A76A0A0}"/>
+              </a:ext>
+            </a:extLst>
+          </p:cNvPr>
+          <p:cNvPicPr>
+            <a:picLocks noChangeAspect="1"/>
+          </p:cNvPicPr>
+          <p:nvPr/>
+        </p:nvPicPr>
+        <p:blipFill>
+          <a:blip r:embed="rId8"/>
+          <a:stretch>
+            <a:fillRect/>
+          </a:stretch>
+        </p:blipFill>
+        <p:spPr>
+          <a:xfrm>
+            <a:off x="14700842" y="18416985"/>
+            <a:ext cx="1447800" cy="685943"/>
+          </a:xfrm>
+          <a:prstGeom prst="rect">
+            <a:avLst/>
+          </a:prstGeom>
+        </p:spPr>
+      </p:pic>
+      <p:pic>
+        <p:nvPicPr>
+          <p:cNvPr id="73" name="Picture 72">
+            <a:extLst>
+              <a:ext uri="{FF2B5EF4-FFF2-40B4-BE49-F238E27FC236}">
+                <a16:creationId xmlns:a16="http://schemas.microsoft.com/office/drawing/2014/main" id="{E93F0633-39F0-4454-BF6C-05E4CEE7CF80}"/>
+              </a:ext>
+            </a:extLst>
+          </p:cNvPr>
+          <p:cNvPicPr>
+            <a:picLocks noChangeAspect="1"/>
+          </p:cNvPicPr>
+          <p:nvPr/>
+        </p:nvPicPr>
+        <p:blipFill>
+          <a:blip r:embed="rId9"/>
+          <a:stretch>
+            <a:fillRect/>
+          </a:stretch>
+        </p:blipFill>
+        <p:spPr>
+          <a:xfrm>
+            <a:off x="18815642" y="18442057"/>
+            <a:ext cx="1338866" cy="622634"/>
+          </a:xfrm>
+          <a:prstGeom prst="rect">
+            <a:avLst/>
+          </a:prstGeom>
+        </p:spPr>
+      </p:pic>
+      <p:pic>
+        <p:nvPicPr>
+          <p:cNvPr id="75" name="Picture 74">
+            <a:extLst>
+              <a:ext uri="{FF2B5EF4-FFF2-40B4-BE49-F238E27FC236}">
+                <a16:creationId xmlns:a16="http://schemas.microsoft.com/office/drawing/2014/main" id="{53583E59-9F3E-4685-9C3F-BB562FA05DE0}"/>
+              </a:ext>
+            </a:extLst>
+          </p:cNvPr>
+          <p:cNvPicPr>
+            <a:picLocks noChangeAspect="1"/>
+          </p:cNvPicPr>
+          <p:nvPr/>
+        </p:nvPicPr>
+        <p:blipFill>
+          <a:blip r:embed="rId10"/>
+          <a:stretch>
+            <a:fillRect/>
+          </a:stretch>
+        </p:blipFill>
+        <p:spPr>
+          <a:xfrm>
+            <a:off x="14530934" y="21976533"/>
+            <a:ext cx="1640225" cy="510020"/>
+          </a:xfrm>
+          <a:prstGeom prst="rect">
+            <a:avLst/>
+          </a:prstGeom>
+        </p:spPr>
+      </p:pic>
+      <p:pic>
+        <p:nvPicPr>
+          <p:cNvPr id="76" name="Picture 75">
+            <a:extLst>
+              <a:ext uri="{FF2B5EF4-FFF2-40B4-BE49-F238E27FC236}">
+                <a16:creationId xmlns:a16="http://schemas.microsoft.com/office/drawing/2014/main" id="{4035141E-D49B-4062-B074-1562421B09E2}"/>
+              </a:ext>
+            </a:extLst>
+          </p:cNvPr>
+          <p:cNvPicPr>
+            <a:picLocks noChangeAspect="1"/>
+          </p:cNvPicPr>
+          <p:nvPr/>
+        </p:nvPicPr>
+        <p:blipFill>
+          <a:blip r:embed="rId11"/>
+          <a:stretch>
+            <a:fillRect/>
+          </a:stretch>
+        </p:blipFill>
+        <p:spPr>
+          <a:xfrm>
+            <a:off x="18930249" y="25376683"/>
+            <a:ext cx="1086147" cy="631738"/>
+          </a:xfrm>
+          <a:prstGeom prst="rect">
+            <a:avLst/>
+          </a:prstGeom>
+        </p:spPr>
+      </p:pic>
+      <p:pic>
+        <p:nvPicPr>
+          <p:cNvPr id="77" name="Picture 76">
+            <a:extLst>
+              <a:ext uri="{FF2B5EF4-FFF2-40B4-BE49-F238E27FC236}">
+                <a16:creationId xmlns:a16="http://schemas.microsoft.com/office/drawing/2014/main" id="{07C5A4D0-D5A3-4B37-AF43-B97BB7B33822}"/>
+              </a:ext>
+            </a:extLst>
+          </p:cNvPr>
+          <p:cNvPicPr>
+            <a:picLocks noChangeAspect="1"/>
+          </p:cNvPicPr>
+          <p:nvPr/>
+        </p:nvPicPr>
+        <p:blipFill>
+          <a:blip r:embed="rId12"/>
+          <a:stretch>
+            <a:fillRect/>
+          </a:stretch>
+        </p:blipFill>
+        <p:spPr>
+          <a:xfrm>
+            <a:off x="18716136" y="21963060"/>
+            <a:ext cx="1653546" cy="530304"/>
+          </a:xfrm>
+          <a:prstGeom prst="rect">
+            <a:avLst/>
+          </a:prstGeom>
+        </p:spPr>
+      </p:pic>
+      <p:pic>
+        <p:nvPicPr>
+          <p:cNvPr id="78" name="Picture 77">
+            <a:extLst>
+              <a:ext uri="{FF2B5EF4-FFF2-40B4-BE49-F238E27FC236}">
+                <a16:creationId xmlns:a16="http://schemas.microsoft.com/office/drawing/2014/main" id="{0D3D6F26-DA12-4E94-ADB3-1AE5605A59EE}"/>
+              </a:ext>
+            </a:extLst>
+          </p:cNvPr>
+          <p:cNvPicPr>
+            <a:picLocks noChangeAspect="1"/>
+          </p:cNvPicPr>
+          <p:nvPr/>
+        </p:nvPicPr>
+        <p:blipFill>
+          <a:blip r:embed="rId13"/>
+          <a:stretch>
+            <a:fillRect/>
+          </a:stretch>
+        </p:blipFill>
+        <p:spPr>
+          <a:xfrm>
+            <a:off x="15008149" y="25356456"/>
+            <a:ext cx="592152" cy="564519"/>
+          </a:xfrm>
+          <a:prstGeom prst="rect">
+            <a:avLst/>
+          </a:prstGeom>
+        </p:spPr>
+      </p:pic>
+      <p:sp>
+        <p:nvSpPr>
+          <p:cNvPr id="91" name="object 12">
+            <a:extLst>
+              <a:ext uri="{FF2B5EF4-FFF2-40B4-BE49-F238E27FC236}">
+                <a16:creationId xmlns:a16="http://schemas.microsoft.com/office/drawing/2014/main" id="{CA4D2346-ED0F-44F1-BC17-49F25B582BDD}"/>
+              </a:ext>
+            </a:extLst>
+          </p:cNvPr>
+          <p:cNvSpPr txBox="1"/>
+          <p:nvPr/>
+        </p:nvSpPr>
+        <p:spPr>
+          <a:xfrm>
+            <a:off x="11907326" y="13600649"/>
+            <a:ext cx="9497082" cy="538865"/>
+          </a:xfrm>
+          <a:prstGeom prst="rect">
+            <a:avLst/>
+          </a:prstGeom>
+        </p:spPr>
+        <p:txBody>
+          <a:bodyPr vert="horz" wrap="square" lIns="0" tIns="0" rIns="0" bIns="0" rtlCol="0">
+            <a:spAutoFit/>
+          </a:bodyPr>
+          <a:lstStyle/>
+          <a:p>
+            <a:pPr marL="27719" marR="13860">
+              <a:lnSpc>
+                <a:spcPct val="103099"/>
+              </a:lnSpc>
+            </a:pPr>
+            <a:r>
+              <a:rPr lang="en-US" sz="1700" i="1" spc="22" dirty="0">
+                <a:latin typeface="Arial"/>
+                <a:cs typeface="Arial"/>
+              </a:rPr>
+              <a:t>We chose Python as the backend for our web app because of its flexibility in web development and the fact that we didn’t need to design a database for our app.</a:t>
+            </a:r>
+            <a:endParaRPr sz="1700" dirty="0">
+              <a:latin typeface="Arial"/>
+              <a:cs typeface="Arial"/>
+            </a:endParaRPr>
+          </a:p>
+        </p:txBody>
+      </p:sp>
+      <p:sp>
+        <p:nvSpPr>
+          <p:cNvPr id="92" name="TextBox 91">
+            <a:extLst>
+              <a:ext uri="{FF2B5EF4-FFF2-40B4-BE49-F238E27FC236}">
+                <a16:creationId xmlns:a16="http://schemas.microsoft.com/office/drawing/2014/main" id="{F9EE16ED-F92B-4360-9416-906078CC78AA}"/>
+              </a:ext>
+            </a:extLst>
+          </p:cNvPr>
+          <p:cNvSpPr txBox="1"/>
+          <p:nvPr/>
+        </p:nvSpPr>
+        <p:spPr>
+          <a:xfrm>
+            <a:off x="11850119" y="7233922"/>
+            <a:ext cx="9149776" cy="3210110"/>
+          </a:xfrm>
+          <a:prstGeom prst="rect">
+            <a:avLst/>
+          </a:prstGeom>
+          <a:noFill/>
+        </p:spPr>
+        <p:txBody>
+          <a:bodyPr wrap="square" lIns="0" tIns="0" rIns="0" bIns="0" rtlCol="0">
+            <a:spAutoFit/>
+          </a:bodyPr>
+          <a:lstStyle/>
+          <a:p>
+            <a:pPr marL="19958">
+              <a:lnSpc>
+                <a:spcPct val="110000"/>
+              </a:lnSpc>
+            </a:pPr>
+            <a:r>
+              <a:rPr lang="en-US" sz="3500" b="1" spc="-11" dirty="0">
+                <a:solidFill>
+                  <a:srgbClr val="BD003A"/>
+                </a:solidFill>
+                <a:latin typeface="Arial"/>
+                <a:cs typeface="Arial"/>
+              </a:rPr>
+              <a:t>DESIGN</a:t>
+            </a:r>
+          </a:p>
+          <a:p>
+            <a:pPr marL="27719">
+              <a:lnSpc>
+                <a:spcPct val="130000"/>
+              </a:lnSpc>
+            </a:pPr>
+            <a:r>
+              <a:rPr lang="en-US" sz="2700" b="1" spc="22" dirty="0">
+                <a:latin typeface="Arial"/>
+                <a:cs typeface="Arial"/>
+              </a:rPr>
+              <a:t>Languages and Technologies</a:t>
+            </a:r>
+            <a:r>
+              <a:rPr lang="en-US" sz="2700" b="1" spc="22" dirty="0">
+                <a:solidFill>
+                  <a:srgbClr val="4C4D4F"/>
+                </a:solidFill>
+                <a:latin typeface="Arial"/>
+                <a:cs typeface="Arial"/>
+              </a:rPr>
+              <a:t>:</a:t>
+            </a:r>
+            <a:endParaRPr lang="en-US" sz="2700" dirty="0">
+              <a:latin typeface="Arial"/>
+              <a:cs typeface="Arial"/>
+            </a:endParaRPr>
+          </a:p>
+          <a:p>
+            <a:pPr marL="457200" indent="-457200">
+              <a:buFont typeface="Arial" panose="020B0604020202020204" pitchFamily="34" charset="0"/>
+              <a:buChar char="•"/>
+            </a:pPr>
+            <a:r>
+              <a:rPr lang="en-US" sz="2700" dirty="0">
+                <a:latin typeface="Arial"/>
+                <a:cs typeface="Arial"/>
+              </a:rPr>
+              <a:t>Python</a:t>
+            </a:r>
+          </a:p>
+          <a:p>
+            <a:pPr marL="457200" indent="-457200">
+              <a:buFont typeface="Arial" panose="020B0604020202020204" pitchFamily="34" charset="0"/>
+              <a:buChar char="•"/>
+            </a:pPr>
+            <a:r>
+              <a:rPr lang="en-US" sz="2700" dirty="0">
+                <a:latin typeface="Arial"/>
+                <a:cs typeface="Arial"/>
+              </a:rPr>
+              <a:t>Flask</a:t>
+            </a:r>
+          </a:p>
+          <a:p>
+            <a:pPr marL="457200" indent="-457200">
+              <a:buFont typeface="Arial" panose="020B0604020202020204" pitchFamily="34" charset="0"/>
+              <a:buChar char="•"/>
+            </a:pPr>
+            <a:r>
+              <a:rPr lang="en-US" sz="2700" dirty="0">
+                <a:latin typeface="Arial"/>
+                <a:cs typeface="Arial"/>
+              </a:rPr>
+              <a:t>jQuery</a:t>
+            </a:r>
+          </a:p>
+          <a:p>
+            <a:pPr marL="457200" indent="-457200">
+              <a:buFont typeface="Arial" panose="020B0604020202020204" pitchFamily="34" charset="0"/>
+              <a:buChar char="•"/>
+            </a:pPr>
+            <a:r>
+              <a:rPr lang="en-US" sz="2700" dirty="0">
+                <a:latin typeface="Arial"/>
+                <a:cs typeface="Arial"/>
+              </a:rPr>
+              <a:t>Travis</a:t>
+            </a:r>
+          </a:p>
+          <a:p>
+            <a:pPr marL="457200" indent="-457200">
+              <a:buFont typeface="Arial" panose="020B0604020202020204" pitchFamily="34" charset="0"/>
+              <a:buChar char="•"/>
+            </a:pPr>
+            <a:r>
+              <a:rPr lang="en-US" sz="2700" dirty="0">
+                <a:latin typeface="Arial"/>
+                <a:cs typeface="Arial"/>
+              </a:rPr>
+              <a:t>Pytest</a:t>
+            </a:r>
+          </a:p>
+        </p:txBody>
+      </p:sp>
+      <p:sp>
+        <p:nvSpPr>
+          <p:cNvPr id="93" name="object 4">
+            <a:extLst>
+              <a:ext uri="{FF2B5EF4-FFF2-40B4-BE49-F238E27FC236}">
+                <a16:creationId xmlns:a16="http://schemas.microsoft.com/office/drawing/2014/main" id="{7BB1BEF6-110E-4FE3-93D3-77D06256AA5C}"/>
+              </a:ext>
+            </a:extLst>
+          </p:cNvPr>
+          <p:cNvSpPr txBox="1"/>
+          <p:nvPr/>
+        </p:nvSpPr>
+        <p:spPr>
+          <a:xfrm>
+            <a:off x="11777804" y="10550448"/>
+            <a:ext cx="8937668" cy="415498"/>
+          </a:xfrm>
+          <a:prstGeom prst="rect">
+            <a:avLst/>
+          </a:prstGeom>
+        </p:spPr>
+        <p:txBody>
+          <a:bodyPr vert="horz" wrap="square" lIns="0" tIns="0" rIns="0" bIns="0" rtlCol="0">
+            <a:spAutoFit/>
+          </a:bodyPr>
+          <a:lstStyle/>
+          <a:p>
+            <a:pPr marL="27719"/>
+            <a:endParaRPr lang="en-US" sz="2700" dirty="0">
+              <a:latin typeface="Arial"/>
+              <a:cs typeface="Arial"/>
+            </a:endParaRPr>
+          </a:p>
+        </p:txBody>
+      </p:sp>
+      <p:sp>
+        <p:nvSpPr>
+          <p:cNvPr id="94" name="object 4">
+            <a:extLst>
+              <a:ext uri="{FF2B5EF4-FFF2-40B4-BE49-F238E27FC236}">
+                <a16:creationId xmlns:a16="http://schemas.microsoft.com/office/drawing/2014/main" id="{4CEDA610-B1D8-451A-8902-3392C28543E2}"/>
+              </a:ext>
+            </a:extLst>
+          </p:cNvPr>
+          <p:cNvSpPr txBox="1"/>
+          <p:nvPr/>
+        </p:nvSpPr>
+        <p:spPr>
+          <a:xfrm>
+            <a:off x="11793044" y="10921316"/>
+            <a:ext cx="8937668" cy="415498"/>
+          </a:xfrm>
+          <a:prstGeom prst="rect">
+            <a:avLst/>
+          </a:prstGeom>
+        </p:spPr>
+        <p:txBody>
+          <a:bodyPr vert="horz" wrap="square" lIns="0" tIns="0" rIns="0" bIns="0" rtlCol="0">
+            <a:spAutoFit/>
+          </a:bodyPr>
+          <a:lstStyle/>
+          <a:p>
+            <a:pPr marL="27719"/>
+            <a:r>
+              <a:rPr lang="en-US" sz="2700" b="1" spc="11" dirty="0">
+                <a:latin typeface="Arial"/>
+                <a:cs typeface="Arial"/>
+              </a:rPr>
+              <a:t>Python vs Java</a:t>
+            </a:r>
+          </a:p>
+        </p:txBody>
+      </p:sp>
+      <p:graphicFrame>
+        <p:nvGraphicFramePr>
+          <p:cNvPr id="95" name="Table 94">
+            <a:extLst>
+              <a:ext uri="{FF2B5EF4-FFF2-40B4-BE49-F238E27FC236}">
+                <a16:creationId xmlns:a16="http://schemas.microsoft.com/office/drawing/2014/main" id="{03ECD0F8-0D2C-48F0-BC29-070BAD9C526C}"/>
+              </a:ext>
+            </a:extLst>
+          </p:cNvPr>
+          <p:cNvGraphicFramePr>
+            <a:graphicFrameLocks noGrp="1"/>
+          </p:cNvGraphicFramePr>
+          <p:nvPr>
+            <p:extLst>
+              <p:ext uri="{D42A27DB-BD31-4B8C-83A1-F6EECF244321}">
+                <p14:modId xmlns:p14="http://schemas.microsoft.com/office/powerpoint/2010/main" val="3991068194"/>
+              </p:ext>
+            </p:extLst>
+          </p:nvPr>
+        </p:nvGraphicFramePr>
+        <p:xfrm>
+          <a:off x="11767003" y="11321032"/>
+          <a:ext cx="9697761" cy="2163615"/>
+        </p:xfrm>
+        <a:graphic>
+          <a:graphicData uri="http://schemas.openxmlformats.org/drawingml/2006/table">
+            <a:tbl>
+              <a:tblPr firstRow="1" bandRow="1">
+                <a:tableStyleId>{5C22544A-7EE6-4342-B048-85BDC9FD1C3A}</a:tableStyleId>
+              </a:tblPr>
+              <a:tblGrid>
+                <a:gridCol w="1407805">
+                  <a:extLst>
+                    <a:ext uri="{9D8B030D-6E8A-4147-A177-3AD203B41FA5}">
+                      <a16:colId xmlns:a16="http://schemas.microsoft.com/office/drawing/2014/main" val="20000"/>
+                    </a:ext>
+                  </a:extLst>
+                </a:gridCol>
+                <a:gridCol w="4267200">
+                  <a:extLst>
+                    <a:ext uri="{9D8B030D-6E8A-4147-A177-3AD203B41FA5}">
+                      <a16:colId xmlns:a16="http://schemas.microsoft.com/office/drawing/2014/main" val="20001"/>
+                    </a:ext>
+                  </a:extLst>
+                </a:gridCol>
+                <a:gridCol w="4022756">
+                  <a:extLst>
+                    <a:ext uri="{9D8B030D-6E8A-4147-A177-3AD203B41FA5}">
+                      <a16:colId xmlns:a16="http://schemas.microsoft.com/office/drawing/2014/main" val="20002"/>
+                    </a:ext>
+                  </a:extLst>
+                </a:gridCol>
+              </a:tblGrid>
+              <a:tr h="609135">
+                <a:tc>
+                  <a:txBody>
+                    <a:bodyPr/>
+                    <a:lstStyle/>
+                    <a:p>
+                      <a:endParaRPr lang="en-US" dirty="0"/>
+                    </a:p>
+                  </a:txBody>
+                  <a:tcPr>
+                    <a:noFill/>
+                  </a:tcPr>
+                </a:tc>
+                <a:tc>
+                  <a:txBody>
+                    <a:bodyPr/>
+                    <a:lstStyle/>
+                    <a:p>
+                      <a:endParaRPr lang="en-US" dirty="0"/>
+                    </a:p>
+                  </a:txBody>
+                  <a:tcPr>
+                    <a:noFill/>
+                  </a:tcPr>
+                </a:tc>
+                <a:tc>
+                  <a:txBody>
+                    <a:bodyPr/>
+                    <a:lstStyle/>
+                    <a:p>
+                      <a:endParaRPr lang="en-US" dirty="0"/>
+                    </a:p>
+                  </a:txBody>
+                  <a:tcPr>
+                    <a:noFill/>
+                  </a:tcPr>
+                </a:tc>
+                <a:extLst>
+                  <a:ext uri="{0D108BD9-81ED-4DB2-BD59-A6C34878D82A}">
+                    <a16:rowId xmlns:a16="http://schemas.microsoft.com/office/drawing/2014/main" val="10000"/>
+                  </a:ext>
+                </a:extLst>
+              </a:tr>
+              <a:tr h="609135">
+                <a:tc>
+                  <a:txBody>
+                    <a:bodyPr/>
+                    <a:lstStyle/>
+                    <a:p>
+                      <a:pPr algn="ctr"/>
+                      <a:r>
+                        <a:rPr lang="en-US" sz="2000" kern="1200" dirty="0">
+                          <a:solidFill>
+                            <a:schemeClr val="tx1"/>
+                          </a:solidFill>
+                          <a:latin typeface="Arial"/>
+                          <a:ea typeface="+mn-ea"/>
+                          <a:cs typeface="Arial"/>
+                        </a:rPr>
+                        <a:t>Pros</a:t>
+                      </a:r>
+                    </a:p>
+                  </a:txBody>
+                  <a:tcPr anchor="ctr"/>
+                </a:tc>
+                <a:tc>
+                  <a:txBody>
+                    <a:bodyPr/>
+                    <a:lstStyle/>
+                    <a:p>
+                      <a:pPr marL="285750" indent="-285750">
+                        <a:buFont typeface="Arial" panose="020B0604020202020204" pitchFamily="34" charset="0"/>
+                        <a:buChar char="•"/>
+                      </a:pPr>
+                      <a:r>
+                        <a:rPr lang="en-US" dirty="0"/>
+                        <a:t>Ease of use</a:t>
+                      </a:r>
+                    </a:p>
+                    <a:p>
+                      <a:pPr marL="285750" indent="-285750">
+                        <a:buFont typeface="Arial" panose="020B0604020202020204" pitchFamily="34" charset="0"/>
+                        <a:buChar char="•"/>
+                      </a:pPr>
+                      <a:r>
+                        <a:rPr lang="en-US" dirty="0"/>
+                        <a:t>Easy to build prototypes</a:t>
+                      </a:r>
+                    </a:p>
+                    <a:p>
+                      <a:pPr marL="285750" indent="-285750">
+                        <a:buFont typeface="Arial" panose="020B0604020202020204" pitchFamily="34" charset="0"/>
+                        <a:buChar char="•"/>
+                      </a:pPr>
+                      <a:r>
+                        <a:rPr lang="en-US" dirty="0"/>
+                        <a:t>Web</a:t>
+                      </a:r>
+                      <a:r>
+                        <a:rPr lang="en-US" baseline="0" dirty="0"/>
+                        <a:t> development is flexible</a:t>
+                      </a:r>
+                    </a:p>
+                  </a:txBody>
+                  <a:tcPr/>
+                </a:tc>
+                <a:tc>
+                  <a:txBody>
+                    <a:bodyPr/>
+                    <a:lstStyle/>
+                    <a:p>
+                      <a:pPr marL="285750" indent="-285750">
+                        <a:buFont typeface="Arial" panose="020B0604020202020204" pitchFamily="34" charset="0"/>
+                        <a:buChar char="•"/>
+                      </a:pPr>
+                      <a:r>
+                        <a:rPr lang="en-US" dirty="0"/>
+                        <a:t>Tried</a:t>
+                      </a:r>
+                      <a:r>
+                        <a:rPr lang="en-US" baseline="0" dirty="0"/>
+                        <a:t> and true language</a:t>
+                      </a:r>
+                    </a:p>
+                    <a:p>
+                      <a:pPr marL="285750" indent="-285750">
+                        <a:buFont typeface="Arial" panose="020B0604020202020204" pitchFamily="34" charset="0"/>
+                        <a:buChar char="•"/>
+                      </a:pPr>
+                      <a:r>
+                        <a:rPr lang="en-US" baseline="0" dirty="0"/>
+                        <a:t>Compilation and fast runtime</a:t>
+                      </a:r>
+                    </a:p>
+                    <a:p>
+                      <a:pPr marL="285750" indent="-285750">
+                        <a:buFont typeface="Arial" panose="020B0604020202020204" pitchFamily="34" charset="0"/>
+                        <a:buChar char="•"/>
+                      </a:pPr>
+                      <a:r>
+                        <a:rPr lang="en-US" baseline="0" dirty="0"/>
+                        <a:t>Mature JVM</a:t>
+                      </a:r>
+                      <a:endParaRPr lang="en-US" dirty="0"/>
+                    </a:p>
+                  </a:txBody>
+                  <a:tcPr/>
+                </a:tc>
+                <a:extLst>
+                  <a:ext uri="{0D108BD9-81ED-4DB2-BD59-A6C34878D82A}">
+                    <a16:rowId xmlns:a16="http://schemas.microsoft.com/office/drawing/2014/main" val="10001"/>
+                  </a:ext>
+                </a:extLst>
+              </a:tr>
+              <a:tr h="609135">
+                <a:tc>
+                  <a:txBody>
+                    <a:bodyPr/>
+                    <a:lstStyle/>
+                    <a:p>
+                      <a:pPr algn="ctr"/>
+                      <a:r>
+                        <a:rPr lang="en-US" sz="2000" kern="1200" dirty="0">
+                          <a:solidFill>
+                            <a:schemeClr val="tx1"/>
+                          </a:solidFill>
+                          <a:latin typeface="Arial"/>
+                          <a:ea typeface="+mn-ea"/>
+                          <a:cs typeface="Arial"/>
+                        </a:rPr>
+                        <a:t>Cons</a:t>
+                      </a:r>
+                    </a:p>
+                  </a:txBody>
+                  <a:tcPr anchor="ctr"/>
+                </a:tc>
+                <a:tc>
+                  <a:txBody>
+                    <a:bodyPr/>
+                    <a:lstStyle/>
+                    <a:p>
+                      <a:pPr marL="285750" indent="-285750">
+                        <a:buFont typeface="Arial" panose="020B0604020202020204" pitchFamily="34" charset="0"/>
+                        <a:buChar char="•"/>
+                      </a:pPr>
+                      <a:r>
+                        <a:rPr lang="en-US" dirty="0"/>
+                        <a:t>Slow to run</a:t>
+                      </a:r>
+                    </a:p>
+                    <a:p>
+                      <a:pPr marL="285750" indent="-285750">
+                        <a:buFont typeface="Arial" panose="020B0604020202020204" pitchFamily="34" charset="0"/>
+                        <a:buChar char="•"/>
+                      </a:pPr>
+                      <a:r>
+                        <a:rPr lang="en-US" dirty="0"/>
+                        <a:t>Less developed database access layers</a:t>
+                      </a:r>
+                    </a:p>
+                  </a:txBody>
+                  <a:tcPr/>
+                </a:tc>
+                <a:tc>
+                  <a:txBody>
+                    <a:bodyPr/>
+                    <a:lstStyle/>
+                    <a:p>
+                      <a:pPr marL="285750" indent="-285750">
+                        <a:buFont typeface="Arial" panose="020B0604020202020204" pitchFamily="34" charset="0"/>
+                        <a:buChar char="•"/>
+                      </a:pPr>
+                      <a:r>
+                        <a:rPr lang="en-US" dirty="0"/>
+                        <a:t>Development is verbose</a:t>
+                      </a:r>
+                    </a:p>
+                    <a:p>
+                      <a:pPr marL="285750" indent="-285750">
+                        <a:buFont typeface="Arial" panose="020B0604020202020204" pitchFamily="34" charset="0"/>
+                        <a:buChar char="•"/>
+                      </a:pPr>
+                      <a:r>
+                        <a:rPr lang="en-US" dirty="0"/>
+                        <a:t>Needs a JVM to</a:t>
+                      </a:r>
+                      <a:r>
+                        <a:rPr lang="en-US" baseline="0" dirty="0"/>
+                        <a:t> run, not lightweight</a:t>
+                      </a:r>
+                      <a:endParaRPr lang="en-US" dirty="0"/>
+                    </a:p>
+                  </a:txBody>
+                  <a:tcPr/>
+                </a:tc>
+                <a:extLst>
+                  <a:ext uri="{0D108BD9-81ED-4DB2-BD59-A6C34878D82A}">
+                    <a16:rowId xmlns:a16="http://schemas.microsoft.com/office/drawing/2014/main" val="10002"/>
+                  </a:ext>
+                </a:extLst>
+              </a:tr>
+            </a:tbl>
+          </a:graphicData>
+        </a:graphic>
+      </p:graphicFrame>
+      <p:pic>
+        <p:nvPicPr>
+          <p:cNvPr id="96" name="Picture 95">
+            <a:extLst>
+              <a:ext uri="{FF2B5EF4-FFF2-40B4-BE49-F238E27FC236}">
+                <a16:creationId xmlns:a16="http://schemas.microsoft.com/office/drawing/2014/main" id="{1B4AFA44-7F31-4447-94C3-21B684CC7137}"/>
+              </a:ext>
+            </a:extLst>
+          </p:cNvPr>
+          <p:cNvPicPr>
+            <a:picLocks noChangeAspect="1"/>
+          </p:cNvPicPr>
+          <p:nvPr/>
+        </p:nvPicPr>
+        <p:blipFill>
+          <a:blip r:embed="rId14"/>
+          <a:stretch>
+            <a:fillRect/>
+          </a:stretch>
+        </p:blipFill>
+        <p:spPr>
+          <a:xfrm>
+            <a:off x="14458232" y="11365662"/>
+            <a:ext cx="1630639" cy="550782"/>
+          </a:xfrm>
+          <a:prstGeom prst="rect">
+            <a:avLst/>
+          </a:prstGeom>
+        </p:spPr>
+      </p:pic>
+      <p:sp>
+        <p:nvSpPr>
+          <p:cNvPr id="97" name="object 4">
+            <a:extLst>
+              <a:ext uri="{FF2B5EF4-FFF2-40B4-BE49-F238E27FC236}">
+                <a16:creationId xmlns:a16="http://schemas.microsoft.com/office/drawing/2014/main" id="{FBF6DA96-0101-47E1-986D-1C26EEA65DCE}"/>
+              </a:ext>
+            </a:extLst>
+          </p:cNvPr>
+          <p:cNvSpPr txBox="1"/>
+          <p:nvPr/>
+        </p:nvSpPr>
+        <p:spPr>
+          <a:xfrm>
+            <a:off x="11777804" y="14503024"/>
+            <a:ext cx="8937668" cy="415498"/>
+          </a:xfrm>
+          <a:prstGeom prst="rect">
+            <a:avLst/>
+          </a:prstGeom>
+        </p:spPr>
+        <p:txBody>
+          <a:bodyPr vert="horz" wrap="square" lIns="0" tIns="0" rIns="0" bIns="0" rtlCol="0">
+            <a:spAutoFit/>
+          </a:bodyPr>
+          <a:lstStyle/>
+          <a:p>
+            <a:pPr marL="27719"/>
+            <a:r>
+              <a:rPr lang="en-US" sz="2700" b="1" spc="11" dirty="0">
+                <a:latin typeface="Arial"/>
+                <a:cs typeface="Arial"/>
+              </a:rPr>
+              <a:t>Flask vs Django</a:t>
+            </a:r>
+          </a:p>
+        </p:txBody>
+      </p:sp>
+      <p:graphicFrame>
+        <p:nvGraphicFramePr>
+          <p:cNvPr id="98" name="Table 97">
+            <a:extLst>
+              <a:ext uri="{FF2B5EF4-FFF2-40B4-BE49-F238E27FC236}">
+                <a16:creationId xmlns:a16="http://schemas.microsoft.com/office/drawing/2014/main" id="{2D431E35-5320-49AA-AD7C-1D9F6EEF944A}"/>
+              </a:ext>
+            </a:extLst>
+          </p:cNvPr>
+          <p:cNvGraphicFramePr>
+            <a:graphicFrameLocks noGrp="1"/>
+          </p:cNvGraphicFramePr>
+          <p:nvPr>
+            <p:extLst>
+              <p:ext uri="{D42A27DB-BD31-4B8C-83A1-F6EECF244321}">
+                <p14:modId xmlns:p14="http://schemas.microsoft.com/office/powerpoint/2010/main" val="849893355"/>
+              </p:ext>
+            </p:extLst>
+          </p:nvPr>
+        </p:nvGraphicFramePr>
+        <p:xfrm>
+          <a:off x="11775477" y="15022964"/>
+          <a:ext cx="9697761" cy="2163615"/>
+        </p:xfrm>
+        <a:graphic>
+          <a:graphicData uri="http://schemas.openxmlformats.org/drawingml/2006/table">
+            <a:tbl>
+              <a:tblPr firstRow="1" bandRow="1">
+                <a:tableStyleId>{5C22544A-7EE6-4342-B048-85BDC9FD1C3A}</a:tableStyleId>
+              </a:tblPr>
+              <a:tblGrid>
+                <a:gridCol w="1407805">
+                  <a:extLst>
+                    <a:ext uri="{9D8B030D-6E8A-4147-A177-3AD203B41FA5}">
+                      <a16:colId xmlns:a16="http://schemas.microsoft.com/office/drawing/2014/main" val="20000"/>
+                    </a:ext>
+                  </a:extLst>
+                </a:gridCol>
+                <a:gridCol w="4267200">
+                  <a:extLst>
+                    <a:ext uri="{9D8B030D-6E8A-4147-A177-3AD203B41FA5}">
+                      <a16:colId xmlns:a16="http://schemas.microsoft.com/office/drawing/2014/main" val="20001"/>
+                    </a:ext>
+                  </a:extLst>
+                </a:gridCol>
+                <a:gridCol w="4022756">
+                  <a:extLst>
+                    <a:ext uri="{9D8B030D-6E8A-4147-A177-3AD203B41FA5}">
+                      <a16:colId xmlns:a16="http://schemas.microsoft.com/office/drawing/2014/main" val="20002"/>
+                    </a:ext>
+                  </a:extLst>
+                </a:gridCol>
+              </a:tblGrid>
+              <a:tr h="609135">
+                <a:tc>
+                  <a:txBody>
+                    <a:bodyPr/>
+                    <a:lstStyle/>
+                    <a:p>
+                      <a:endParaRPr lang="en-US" dirty="0"/>
+                    </a:p>
+                  </a:txBody>
+                  <a:tcPr>
+                    <a:noFill/>
+                  </a:tcPr>
+                </a:tc>
+                <a:tc>
+                  <a:txBody>
+                    <a:bodyPr/>
+                    <a:lstStyle/>
+                    <a:p>
+                      <a:endParaRPr lang="en-US" dirty="0"/>
+                    </a:p>
+                  </a:txBody>
+                  <a:tcPr>
+                    <a:noFill/>
+                  </a:tcPr>
+                </a:tc>
+                <a:tc>
+                  <a:txBody>
+                    <a:bodyPr/>
+                    <a:lstStyle/>
+                    <a:p>
+                      <a:endParaRPr lang="en-US" dirty="0"/>
+                    </a:p>
+                  </a:txBody>
+                  <a:tcPr>
+                    <a:noFill/>
+                  </a:tcPr>
+                </a:tc>
+                <a:extLst>
+                  <a:ext uri="{0D108BD9-81ED-4DB2-BD59-A6C34878D82A}">
+                    <a16:rowId xmlns:a16="http://schemas.microsoft.com/office/drawing/2014/main" val="10000"/>
+                  </a:ext>
+                </a:extLst>
+              </a:tr>
+              <a:tr h="609135">
+                <a:tc>
+                  <a:txBody>
+                    <a:bodyPr/>
+                    <a:lstStyle/>
+                    <a:p>
+                      <a:pPr algn="ctr"/>
+                      <a:r>
+                        <a:rPr lang="en-US" sz="2000" kern="1200" dirty="0">
+                          <a:solidFill>
+                            <a:schemeClr val="tx1"/>
+                          </a:solidFill>
+                          <a:latin typeface="Arial"/>
+                          <a:ea typeface="+mn-ea"/>
+                          <a:cs typeface="Arial"/>
+                        </a:rPr>
+                        <a:t>Pros</a:t>
+                      </a:r>
+                    </a:p>
+                  </a:txBody>
+                  <a:tcPr anchor="ctr"/>
+                </a:tc>
+                <a:tc>
+                  <a:txBody>
+                    <a:bodyPr/>
+                    <a:lstStyle/>
+                    <a:p>
+                      <a:pPr marL="285750" indent="-285750">
+                        <a:buFont typeface="Arial" panose="020B0604020202020204" pitchFamily="34" charset="0"/>
+                        <a:buChar char="•"/>
+                      </a:pPr>
+                      <a:r>
+                        <a:rPr lang="en-US" dirty="0"/>
+                        <a:t>Flexible project structure with Blueprints</a:t>
+                      </a:r>
+                    </a:p>
+                    <a:p>
+                      <a:pPr marL="285750" indent="-285750">
+                        <a:buFont typeface="Arial" panose="020B0604020202020204" pitchFamily="34" charset="0"/>
+                        <a:buChar char="•"/>
+                      </a:pPr>
+                      <a:r>
+                        <a:rPr lang="en-US" dirty="0"/>
+                        <a:t>Simple to</a:t>
+                      </a:r>
+                      <a:r>
+                        <a:rPr lang="en-US" baseline="0" dirty="0"/>
+                        <a:t> learn and use</a:t>
+                      </a:r>
+                    </a:p>
+                    <a:p>
+                      <a:pPr marL="285750" indent="-285750">
+                        <a:buFont typeface="Arial" panose="020B0604020202020204" pitchFamily="34" charset="0"/>
+                        <a:buChar char="•"/>
+                      </a:pPr>
+                      <a:r>
+                        <a:rPr lang="en-US" baseline="0" dirty="0"/>
+                        <a:t>Routing URLs is easy</a:t>
+                      </a:r>
+                      <a:endParaRPr lang="en-US" dirty="0"/>
+                    </a:p>
+                  </a:txBody>
+                  <a:tcPr/>
+                </a:tc>
+                <a:tc>
+                  <a:txBody>
+                    <a:bodyPr/>
+                    <a:lstStyle/>
+                    <a:p>
+                      <a:pPr marL="285750" indent="-285750" fontAlgn="base">
+                        <a:buFont typeface="Arial" panose="020B0604020202020204" pitchFamily="34" charset="0"/>
+                        <a:buChar char="•"/>
+                      </a:pPr>
+                      <a:r>
+                        <a:rPr lang="en-US" b="0" i="0" dirty="0">
+                          <a:solidFill>
+                            <a:schemeClr val="dk1"/>
+                          </a:solidFill>
+                          <a:effectLst/>
+                          <a:latin typeface="+mn-lt"/>
+                          <a:ea typeface="+mn-ea"/>
+                          <a:cs typeface="+mn-cs"/>
+                        </a:rPr>
+                        <a:t>Clear and defined MVC organization</a:t>
+                      </a:r>
+                    </a:p>
+                    <a:p>
+                      <a:pPr marL="285750" marR="0" lvl="0" indent="-285750" defTabSz="914400" eaLnBrk="1" fontAlgn="auto" latinLnBrk="0" hangingPunct="1">
+                        <a:lnSpc>
+                          <a:spcPct val="100000"/>
+                        </a:lnSpc>
+                        <a:spcBef>
+                          <a:spcPts val="0"/>
+                        </a:spcBef>
+                        <a:spcAft>
+                          <a:spcPts val="0"/>
+                        </a:spcAft>
+                        <a:buClrTx/>
+                        <a:buSzTx/>
+                        <a:buFont typeface="Arial" panose="020B0604020202020204" pitchFamily="34" charset="0"/>
+                        <a:buChar char="•"/>
+                        <a:tabLst/>
+                        <a:defRPr/>
+                      </a:pPr>
+                      <a:r>
+                        <a:rPr lang="en-US" b="0" i="0" dirty="0">
+                          <a:solidFill>
+                            <a:schemeClr val="dk1"/>
+                          </a:solidFill>
+                          <a:effectLst/>
+                          <a:latin typeface="+mn-lt"/>
+                          <a:ea typeface="+mn-ea"/>
+                          <a:cs typeface="+mn-cs"/>
+                        </a:rPr>
+                        <a:t>Highly customizable</a:t>
+                      </a:r>
+                      <a:endParaRPr lang="en-US" baseline="0" dirty="0"/>
+                    </a:p>
+                    <a:p>
+                      <a:pPr marL="285750" marR="0" lvl="0" indent="-285750" defTabSz="914400" eaLnBrk="1" fontAlgn="auto" latinLnBrk="0" hangingPunct="1">
+                        <a:lnSpc>
+                          <a:spcPct val="100000"/>
+                        </a:lnSpc>
+                        <a:spcBef>
+                          <a:spcPts val="0"/>
+                        </a:spcBef>
+                        <a:spcAft>
+                          <a:spcPts val="0"/>
+                        </a:spcAft>
+                        <a:buClrTx/>
+                        <a:buSzTx/>
+                        <a:buFont typeface="Arial" panose="020B0604020202020204" pitchFamily="34" charset="0"/>
+                        <a:buChar char="•"/>
+                        <a:tabLst/>
+                        <a:defRPr/>
+                      </a:pPr>
+                      <a:r>
+                        <a:rPr lang="en-US" b="0" i="0" dirty="0">
+                          <a:solidFill>
+                            <a:schemeClr val="dk1"/>
+                          </a:solidFill>
+                          <a:effectLst/>
+                          <a:latin typeface="+mn-lt"/>
+                          <a:ea typeface="+mn-ea"/>
+                          <a:cs typeface="+mn-cs"/>
+                        </a:rPr>
+                        <a:t>Simple database management</a:t>
+                      </a:r>
+                    </a:p>
+                  </a:txBody>
+                  <a:tcPr/>
+                </a:tc>
+                <a:extLst>
+                  <a:ext uri="{0D108BD9-81ED-4DB2-BD59-A6C34878D82A}">
+                    <a16:rowId xmlns:a16="http://schemas.microsoft.com/office/drawing/2014/main" val="10001"/>
+                  </a:ext>
+                </a:extLst>
+              </a:tr>
+              <a:tr h="609135">
+                <a:tc>
+                  <a:txBody>
+                    <a:bodyPr/>
+                    <a:lstStyle/>
+                    <a:p>
+                      <a:pPr algn="ctr"/>
+                      <a:r>
+                        <a:rPr lang="en-US" sz="2000" kern="1200" dirty="0">
+                          <a:solidFill>
+                            <a:schemeClr val="tx1"/>
+                          </a:solidFill>
+                          <a:latin typeface="Arial"/>
+                          <a:ea typeface="+mn-ea"/>
+                          <a:cs typeface="Arial"/>
+                        </a:rPr>
+                        <a:t>Cons</a:t>
+                      </a:r>
+                    </a:p>
+                  </a:txBody>
+                  <a:tcPr anchor="ctr"/>
+                </a:tc>
+                <a:tc>
+                  <a:txBody>
+                    <a:bodyPr/>
+                    <a:lstStyle/>
+                    <a:p>
+                      <a:pPr marL="285750" marR="0" lvl="0" indent="-285750" defTabSz="914400" eaLnBrk="1" fontAlgn="auto" latinLnBrk="0" hangingPunct="1">
+                        <a:lnSpc>
+                          <a:spcPct val="100000"/>
+                        </a:lnSpc>
+                        <a:spcBef>
+                          <a:spcPts val="0"/>
+                        </a:spcBef>
+                        <a:spcAft>
+                          <a:spcPts val="0"/>
+                        </a:spcAft>
+                        <a:buClrTx/>
+                        <a:buSzTx/>
+                        <a:buFont typeface="Arial" panose="020B0604020202020204" pitchFamily="34" charset="0"/>
+                        <a:buChar char="•"/>
+                        <a:tabLst/>
+                        <a:defRPr/>
+                      </a:pPr>
+                      <a:r>
+                        <a:rPr lang="en-US" b="0" i="0" dirty="0">
+                          <a:solidFill>
+                            <a:schemeClr val="dk1"/>
+                          </a:solidFill>
+                          <a:effectLst/>
+                          <a:latin typeface="+mn-lt"/>
+                          <a:ea typeface="+mn-ea"/>
+                          <a:cs typeface="+mn-cs"/>
+                        </a:rPr>
+                        <a:t>Not async-friendly</a:t>
+                      </a:r>
+                      <a:endParaRPr lang="en-US" dirty="0"/>
+                    </a:p>
+                    <a:p>
+                      <a:pPr marL="285750" indent="-285750">
+                        <a:buFont typeface="Arial" panose="020B0604020202020204" pitchFamily="34" charset="0"/>
+                        <a:buChar char="•"/>
+                      </a:pPr>
+                      <a:r>
+                        <a:rPr lang="en-US" b="0" i="0" dirty="0">
+                          <a:solidFill>
+                            <a:schemeClr val="dk1"/>
+                          </a:solidFill>
+                          <a:effectLst/>
+                          <a:latin typeface="+mn-lt"/>
+                          <a:ea typeface="+mn-ea"/>
+                          <a:cs typeface="+mn-cs"/>
+                        </a:rPr>
+                        <a:t>Limited in features</a:t>
+                      </a:r>
+                      <a:endParaRPr lang="en-US" dirty="0"/>
+                    </a:p>
+                  </a:txBody>
+                  <a:tcPr/>
+                </a:tc>
+                <a:tc>
+                  <a:txBody>
+                    <a:bodyPr/>
+                    <a:lstStyle/>
+                    <a:p>
+                      <a:pPr marL="285750" indent="-285750">
+                        <a:buFont typeface="Arial" panose="020B0604020202020204" pitchFamily="34" charset="0"/>
+                        <a:buChar char="•"/>
+                      </a:pPr>
+                      <a:r>
+                        <a:rPr lang="en-US" b="0" i="0" dirty="0">
+                          <a:solidFill>
+                            <a:schemeClr val="dk1"/>
+                          </a:solidFill>
+                          <a:effectLst/>
+                          <a:latin typeface="+mn-lt"/>
+                          <a:ea typeface="+mn-ea"/>
+                          <a:cs typeface="+mn-cs"/>
+                        </a:rPr>
+                        <a:t>Too much software for small projects</a:t>
+                      </a:r>
+                    </a:p>
+                    <a:p>
+                      <a:pPr marL="285750" marR="0" lvl="0" indent="-285750" defTabSz="914400" eaLnBrk="1" fontAlgn="auto" latinLnBrk="0" hangingPunct="1">
+                        <a:lnSpc>
+                          <a:spcPct val="100000"/>
+                        </a:lnSpc>
+                        <a:spcBef>
+                          <a:spcPts val="0"/>
+                        </a:spcBef>
+                        <a:spcAft>
+                          <a:spcPts val="0"/>
+                        </a:spcAft>
+                        <a:buClrTx/>
+                        <a:buSzTx/>
+                        <a:buFont typeface="Arial" panose="020B0604020202020204" pitchFamily="34" charset="0"/>
+                        <a:buChar char="•"/>
+                        <a:tabLst/>
+                        <a:defRPr/>
+                      </a:pPr>
+                      <a:r>
+                        <a:rPr lang="en-US" b="0" i="0" dirty="0">
+                          <a:solidFill>
+                            <a:schemeClr val="dk1"/>
+                          </a:solidFill>
+                          <a:effectLst/>
+                          <a:latin typeface="+mn-lt"/>
+                          <a:ea typeface="+mn-ea"/>
+                          <a:cs typeface="+mn-cs"/>
+                        </a:rPr>
+                        <a:t>Deep learning curve</a:t>
+                      </a:r>
+                    </a:p>
+                  </a:txBody>
+                  <a:tcPr/>
+                </a:tc>
+                <a:extLst>
+                  <a:ext uri="{0D108BD9-81ED-4DB2-BD59-A6C34878D82A}">
+                    <a16:rowId xmlns:a16="http://schemas.microsoft.com/office/drawing/2014/main" val="10002"/>
+                  </a:ext>
+                </a:extLst>
+              </a:tr>
+            </a:tbl>
+          </a:graphicData>
+        </a:graphic>
+      </p:graphicFrame>
+      <p:sp>
+        <p:nvSpPr>
+          <p:cNvPr id="99" name="object 12">
+            <a:extLst>
+              <a:ext uri="{FF2B5EF4-FFF2-40B4-BE49-F238E27FC236}">
+                <a16:creationId xmlns:a16="http://schemas.microsoft.com/office/drawing/2014/main" id="{9C439CA0-5235-4A6B-8F62-E59C719DA591}"/>
+              </a:ext>
+            </a:extLst>
+          </p:cNvPr>
+          <p:cNvSpPr txBox="1"/>
+          <p:nvPr/>
+        </p:nvSpPr>
+        <p:spPr>
+          <a:xfrm>
+            <a:off x="11909676" y="17291022"/>
+            <a:ext cx="9113732" cy="538865"/>
+          </a:xfrm>
+          <a:prstGeom prst="rect">
+            <a:avLst/>
+          </a:prstGeom>
+        </p:spPr>
+        <p:txBody>
+          <a:bodyPr vert="horz" wrap="square" lIns="0" tIns="0" rIns="0" bIns="0" rtlCol="0">
+            <a:spAutoFit/>
+          </a:bodyPr>
+          <a:lstStyle/>
+          <a:p>
+            <a:pPr marL="27719" marR="13860">
+              <a:lnSpc>
+                <a:spcPct val="103099"/>
+              </a:lnSpc>
+            </a:pPr>
+            <a:r>
+              <a:rPr lang="en-US" sz="1700" i="1" spc="22" dirty="0">
+                <a:latin typeface="Arial"/>
+                <a:cs typeface="Arial"/>
+              </a:rPr>
+              <a:t>We chose Flask as our web app’s framework because it’s a minimalist framework with flexible project structure and a small learning curve.</a:t>
+            </a:r>
+            <a:endParaRPr sz="1700" dirty="0">
+              <a:latin typeface="Arial"/>
+              <a:cs typeface="Arial"/>
+            </a:endParaRPr>
+          </a:p>
+        </p:txBody>
+      </p:sp>
+      <p:pic>
+        <p:nvPicPr>
+          <p:cNvPr id="100" name="Picture 99">
+            <a:extLst>
+              <a:ext uri="{FF2B5EF4-FFF2-40B4-BE49-F238E27FC236}">
+                <a16:creationId xmlns:a16="http://schemas.microsoft.com/office/drawing/2014/main" id="{C2C71448-9B74-4861-B393-937CAA2862EC}"/>
+              </a:ext>
+            </a:extLst>
+          </p:cNvPr>
+          <p:cNvPicPr>
+            <a:picLocks noChangeAspect="1"/>
+          </p:cNvPicPr>
+          <p:nvPr/>
+        </p:nvPicPr>
+        <p:blipFill>
+          <a:blip r:embed="rId15"/>
+          <a:stretch>
+            <a:fillRect/>
+          </a:stretch>
+        </p:blipFill>
+        <p:spPr>
+          <a:xfrm>
+            <a:off x="18754059" y="11286930"/>
+            <a:ext cx="1198393" cy="580013"/>
+          </a:xfrm>
+          <a:prstGeom prst="rect">
+            <a:avLst/>
+          </a:prstGeom>
+        </p:spPr>
+      </p:pic>
+      <p:pic>
+        <p:nvPicPr>
+          <p:cNvPr id="101" name="Picture 100">
+            <a:extLst>
+              <a:ext uri="{FF2B5EF4-FFF2-40B4-BE49-F238E27FC236}">
+                <a16:creationId xmlns:a16="http://schemas.microsoft.com/office/drawing/2014/main" id="{B47D1281-64B5-4284-A3F0-8E1CBD41938F}"/>
+              </a:ext>
+            </a:extLst>
+          </p:cNvPr>
+          <p:cNvPicPr>
+            <a:picLocks noChangeAspect="1"/>
+          </p:cNvPicPr>
+          <p:nvPr/>
+        </p:nvPicPr>
+        <p:blipFill>
+          <a:blip r:embed="rId16"/>
+          <a:stretch>
+            <a:fillRect/>
+          </a:stretch>
+        </p:blipFill>
+        <p:spPr>
+          <a:xfrm>
+            <a:off x="14775008" y="15068538"/>
+            <a:ext cx="914400" cy="512064"/>
+          </a:xfrm>
+          <a:prstGeom prst="rect">
+            <a:avLst/>
+          </a:prstGeom>
+        </p:spPr>
+      </p:pic>
+      <p:pic>
+        <p:nvPicPr>
+          <p:cNvPr id="102" name="Picture 101">
+            <a:extLst>
+              <a:ext uri="{FF2B5EF4-FFF2-40B4-BE49-F238E27FC236}">
+                <a16:creationId xmlns:a16="http://schemas.microsoft.com/office/drawing/2014/main" id="{86B49789-2608-4992-BA24-BC98E0C0DC3D}"/>
+              </a:ext>
+            </a:extLst>
+          </p:cNvPr>
+          <p:cNvPicPr>
+            <a:picLocks noChangeAspect="1"/>
+          </p:cNvPicPr>
+          <p:nvPr/>
+        </p:nvPicPr>
+        <p:blipFill>
+          <a:blip r:embed="rId17"/>
+          <a:stretch>
+            <a:fillRect/>
+          </a:stretch>
+        </p:blipFill>
+        <p:spPr>
+          <a:xfrm>
+            <a:off x="18889808" y="15124551"/>
+            <a:ext cx="1159651" cy="401769"/>
+          </a:xfrm>
+          <a:prstGeom prst="rect">
+            <a:avLst/>
+          </a:prstGeom>
+        </p:spPr>
+      </p:pic>
     </p:spTree>
   </p:cSld>
   <p:clrMapOvr>
